--- a/汇报材料/8-31/8-31.pptx
+++ b/汇报材料/8-31/8-31.pptx
@@ -5,10 +5,10 @@
     <p:sldMasterId id="2147483697" r:id="rId1"/>
   </p:sldMasterIdLst>
   <p:notesMasterIdLst>
-    <p:notesMasterId r:id="rId12"/>
+    <p:notesMasterId r:id="rId13"/>
   </p:notesMasterIdLst>
   <p:handoutMasterIdLst>
-    <p:handoutMasterId r:id="rId13"/>
+    <p:handoutMasterId r:id="rId14"/>
   </p:handoutMasterIdLst>
   <p:sldIdLst>
     <p:sldId id="2528" r:id="rId2"/>
@@ -17,15 +17,16 @@
     <p:sldId id="2560" r:id="rId5"/>
     <p:sldId id="2536" r:id="rId6"/>
     <p:sldId id="2564" r:id="rId7"/>
-    <p:sldId id="2567" r:id="rId8"/>
-    <p:sldId id="2565" r:id="rId9"/>
-    <p:sldId id="2566" r:id="rId10"/>
-    <p:sldId id="2562" r:id="rId11"/>
+    <p:sldId id="2568" r:id="rId8"/>
+    <p:sldId id="2567" r:id="rId9"/>
+    <p:sldId id="2565" r:id="rId10"/>
+    <p:sldId id="2566" r:id="rId11"/>
+    <p:sldId id="2562" r:id="rId12"/>
   </p:sldIdLst>
   <p:sldSz cx="12858750" cy="7232650"/>
   <p:notesSz cx="6858000" cy="9144000"/>
   <p:custDataLst>
-    <p:tags r:id="rId14"/>
+    <p:tags r:id="rId15"/>
   </p:custDataLst>
   <p:defaultTextStyle>
     <a:defPPr>
@@ -276,7 +277,7 @@
           <a:p>
             <a:fld id="{E9630DBF-D010-4114-9DE3-41E342A27C18}" type="datetimeFigureOut">
               <a:rPr lang="zh-CN" altLang="en-US" smtClean="0"/>
-              <a:t>2017/8/30</a:t>
+              <a:t>2017/8/31</a:t>
             </a:fld>
             <a:endParaRPr lang="zh-CN" altLang="en-US"/>
           </a:p>
@@ -450,7 +451,7 @@
               <a:pPr>
                 <a:defRPr/>
               </a:pPr>
-              <a:t>2017/8/30</a:t>
+              <a:t>2017/8/31</a:t>
             </a:fld>
             <a:endParaRPr lang="zh-CN" altLang="en-US"/>
           </a:p>
@@ -885,6 +886,91 @@
           <a:bodyPr/>
           <a:lstStyle/>
           <a:p>
+            <a:endParaRPr lang="zh-CN" altLang="en-US"/>
+          </a:p>
+        </p:txBody>
+      </p:sp>
+      <p:sp>
+        <p:nvSpPr>
+          <p:cNvPr id="4" name="灯片编号占位符 3"/>
+          <p:cNvSpPr>
+            <a:spLocks noGrp="1"/>
+          </p:cNvSpPr>
+          <p:nvPr>
+            <p:ph type="sldNum" sz="quarter" idx="10"/>
+          </p:nvPr>
+        </p:nvSpPr>
+        <p:spPr/>
+        <p:txBody>
+          <a:bodyPr/>
+          <a:lstStyle/>
+          <a:p>
+            <a:fld id="{418F03C3-53C1-4F10-8DAF-D1F318E96C6E}" type="slidenum">
+              <a:rPr lang="zh-CN" altLang="en-US" smtClean="0"/>
+              <a:pPr/>
+              <a:t>10</a:t>
+            </a:fld>
+            <a:endParaRPr lang="zh-CN" altLang="en-US"/>
+          </a:p>
+        </p:txBody>
+      </p:sp>
+    </p:spTree>
+    <p:extLst>
+      <p:ext uri="{BB962C8B-B14F-4D97-AF65-F5344CB8AC3E}">
+        <p14:creationId xmlns:p14="http://schemas.microsoft.com/office/powerpoint/2010/main" val="1880339000"/>
+      </p:ext>
+    </p:extLst>
+  </p:cSld>
+  <p:clrMapOvr>
+    <a:masterClrMapping/>
+  </p:clrMapOvr>
+</p:notes>
+</file>
+
+<file path=ppt/notesSlides/notesSlide11.xml><?xml version="1.0" encoding="utf-8"?>
+<p:notes xmlns:a="http://schemas.openxmlformats.org/drawingml/2006/main" xmlns:r="http://schemas.openxmlformats.org/officeDocument/2006/relationships" xmlns:p="http://schemas.openxmlformats.org/presentationml/2006/main">
+  <p:cSld>
+    <p:spTree>
+      <p:nvGrpSpPr>
+        <p:cNvPr id="1" name=""/>
+        <p:cNvGrpSpPr/>
+        <p:nvPr/>
+      </p:nvGrpSpPr>
+      <p:grpSpPr>
+        <a:xfrm>
+          <a:off x="0" y="0"/>
+          <a:ext cx="0" cy="0"/>
+          <a:chOff x="0" y="0"/>
+          <a:chExt cx="0" cy="0"/>
+        </a:xfrm>
+      </p:grpSpPr>
+      <p:sp>
+        <p:nvSpPr>
+          <p:cNvPr id="2" name="幻灯片图像占位符 1"/>
+          <p:cNvSpPr>
+            <a:spLocks noGrp="1" noRot="1" noChangeAspect="1"/>
+          </p:cNvSpPr>
+          <p:nvPr>
+            <p:ph type="sldImg"/>
+          </p:nvPr>
+        </p:nvSpPr>
+        <p:spPr/>
+      </p:sp>
+      <p:sp>
+        <p:nvSpPr>
+          <p:cNvPr id="3" name="备注占位符 2"/>
+          <p:cNvSpPr>
+            <a:spLocks noGrp="1"/>
+          </p:cNvSpPr>
+          <p:nvPr>
+            <p:ph type="body" idx="1"/>
+          </p:nvPr>
+        </p:nvSpPr>
+        <p:spPr/>
+        <p:txBody>
+          <a:bodyPr/>
+          <a:lstStyle/>
+          <a:p>
             <a:endParaRPr lang="zh-CN" altLang="en-US" dirty="0"/>
           </a:p>
         </p:txBody>
@@ -907,7 +993,7 @@
             <a:fld id="{E4FF5570-FE69-4FDF-99DA-8CDE436443CD}" type="slidenum">
               <a:rPr lang="en-US" smtClean="0"/>
               <a:pPr/>
-              <a:t>10</a:t>
+              <a:t>11</a:t>
             </a:fld>
             <a:endParaRPr lang="en-US" dirty="0"/>
           </a:p>
@@ -1423,7 +1509,7 @@
     </p:spTree>
     <p:extLst>
       <p:ext uri="{BB962C8B-B14F-4D97-AF65-F5344CB8AC3E}">
-        <p14:creationId xmlns:p14="http://schemas.microsoft.com/office/powerpoint/2010/main" val="4111433593"/>
+        <p14:creationId xmlns:p14="http://schemas.microsoft.com/office/powerpoint/2010/main" val="1202428260"/>
       </p:ext>
     </p:extLst>
   </p:cSld>
@@ -1496,9 +1582,8 @@
           <a:bodyPr/>
           <a:lstStyle/>
           <a:p>
-            <a:fld id="{418F03C3-53C1-4F10-8DAF-D1F318E96C6E}" type="slidenum">
+            <a:fld id="{7392B679-AE23-4750-8FB0-6513430B8953}" type="slidenum">
               <a:rPr lang="zh-CN" altLang="en-US" smtClean="0"/>
-              <a:pPr/>
               <a:t>8</a:t>
             </a:fld>
             <a:endParaRPr lang="zh-CN" altLang="en-US"/>
@@ -1508,7 +1593,7 @@
     </p:spTree>
     <p:extLst>
       <p:ext uri="{BB962C8B-B14F-4D97-AF65-F5344CB8AC3E}">
-        <p14:creationId xmlns:p14="http://schemas.microsoft.com/office/powerpoint/2010/main" val="4041459049"/>
+        <p14:creationId xmlns:p14="http://schemas.microsoft.com/office/powerpoint/2010/main" val="4111433593"/>
       </p:ext>
     </p:extLst>
   </p:cSld>
@@ -1593,7 +1678,7 @@
     </p:spTree>
     <p:extLst>
       <p:ext uri="{BB962C8B-B14F-4D97-AF65-F5344CB8AC3E}">
-        <p14:creationId xmlns:p14="http://schemas.microsoft.com/office/powerpoint/2010/main" val="1880339000"/>
+        <p14:creationId xmlns:p14="http://schemas.microsoft.com/office/powerpoint/2010/main" val="4041459049"/>
       </p:ext>
     </p:extLst>
   </p:cSld>
@@ -1637,7 +1722,7 @@
           <a:p>
             <a:fld id="{32BF82D2-7A68-459D-A996-9BDDA2518FA4}" type="datetimeFigureOut">
               <a:rPr lang="zh-CN" altLang="en-US" smtClean="0"/>
-              <a:t>2017/8/30</a:t>
+              <a:t>2017/8/31</a:t>
             </a:fld>
             <a:endParaRPr lang="zh-CN" altLang="en-US"/>
           </a:p>
@@ -1887,7 +1972,7 @@
           <a:p>
             <a:fld id="{32BF82D2-7A68-459D-A996-9BDDA2518FA4}" type="datetimeFigureOut">
               <a:rPr lang="zh-CN" altLang="en-US" smtClean="0"/>
-              <a:t>2017/8/30</a:t>
+              <a:t>2017/8/31</a:t>
             </a:fld>
             <a:endParaRPr lang="zh-CN" altLang="en-US"/>
           </a:p>
@@ -3343,6 +3428,220 @@
       </p:grpSpPr>
       <p:sp>
         <p:nvSpPr>
+          <p:cNvPr id="25" name="矩形 24"/>
+          <p:cNvSpPr/>
+          <p:nvPr/>
+        </p:nvSpPr>
+        <p:spPr>
+          <a:xfrm>
+            <a:off x="354" y="228285"/>
+            <a:ext cx="225016" cy="586648"/>
+          </a:xfrm>
+          <a:prstGeom prst="rect">
+            <a:avLst/>
+          </a:prstGeom>
+          <a:solidFill>
+            <a:schemeClr val="accent1"/>
+          </a:solidFill>
+          <a:ln>
+            <a:noFill/>
+          </a:ln>
+        </p:spPr>
+        <p:style>
+          <a:lnRef idx="2">
+            <a:schemeClr val="accent1">
+              <a:shade val="50000"/>
+            </a:schemeClr>
+          </a:lnRef>
+          <a:fillRef idx="1">
+            <a:schemeClr val="accent1"/>
+          </a:fillRef>
+          <a:effectRef idx="0">
+            <a:schemeClr val="accent1"/>
+          </a:effectRef>
+          <a:fontRef idx="minor">
+            <a:schemeClr val="lt1"/>
+          </a:fontRef>
+        </p:style>
+        <p:txBody>
+          <a:bodyPr lIns="96434" tIns="48217" rIns="96434" bIns="48217" rtlCol="0" anchor="ctr"/>
+          <a:lstStyle/>
+          <a:p>
+            <a:pPr algn="ctr" defTabSz="964278"/>
+            <a:endParaRPr lang="zh-CN" altLang="en-US" sz="1969">
+              <a:solidFill>
+                <a:srgbClr val="E7E6E6">
+                  <a:lumMod val="50000"/>
+                </a:srgbClr>
+              </a:solidFill>
+              <a:ea typeface="微软雅黑" panose="020B0503020204020204" pitchFamily="34" charset="-122"/>
+              <a:cs typeface="+mn-ea"/>
+              <a:sym typeface="+mn-lt"/>
+            </a:endParaRPr>
+          </a:p>
+        </p:txBody>
+      </p:sp>
+      <p:sp>
+        <p:nvSpPr>
+          <p:cNvPr id="26" name="文本框 25"/>
+          <p:cNvSpPr txBox="1"/>
+          <p:nvPr/>
+        </p:nvSpPr>
+        <p:spPr>
+          <a:xfrm>
+            <a:off x="380703" y="336943"/>
+            <a:ext cx="923330" cy="369332"/>
+          </a:xfrm>
+          <a:prstGeom prst="rect">
+            <a:avLst/>
+          </a:prstGeom>
+          <a:noFill/>
+        </p:spPr>
+        <p:txBody>
+          <a:bodyPr wrap="none" lIns="0" tIns="0" rIns="0" bIns="0" rtlCol="0">
+            <a:spAutoFit/>
+          </a:bodyPr>
+          <a:lstStyle/>
+          <a:p>
+            <a:pPr defTabSz="964278"/>
+            <a:r>
+              <a:rPr lang="zh-CN" altLang="en-US" sz="2400" dirty="0" smtClean="0">
+                <a:solidFill>
+                  <a:schemeClr val="bg1">
+                    <a:lumMod val="65000"/>
+                  </a:schemeClr>
+                </a:solidFill>
+                <a:latin typeface="微软雅黑" panose="020B0503020204020204" pitchFamily="34" charset="-122"/>
+                <a:ea typeface="微软雅黑" panose="020B0503020204020204" pitchFamily="34" charset="-122"/>
+                <a:cs typeface="+mn-ea"/>
+                <a:sym typeface="+mn-lt"/>
+              </a:rPr>
+              <a:t>甘特图</a:t>
+            </a:r>
+            <a:endParaRPr lang="zh-CN" altLang="en-US" sz="2400" dirty="0">
+              <a:solidFill>
+                <a:schemeClr val="bg1">
+                  <a:lumMod val="65000"/>
+                </a:schemeClr>
+              </a:solidFill>
+              <a:latin typeface="微软雅黑" panose="020B0503020204020204" pitchFamily="34" charset="-122"/>
+              <a:ea typeface="微软雅黑" panose="020B0503020204020204" pitchFamily="34" charset="-122"/>
+              <a:cs typeface="+mn-ea"/>
+              <a:sym typeface="+mn-lt"/>
+            </a:endParaRPr>
+          </a:p>
+        </p:txBody>
+      </p:sp>
+      <p:graphicFrame>
+        <p:nvGraphicFramePr>
+          <p:cNvPr id="2" name="对象 1">
+            <a:hlinkClick r:id="rId4" action="ppaction://hlinkfile"/>
+          </p:cNvPr>
+          <p:cNvGraphicFramePr>
+            <a:graphicFrameLocks noChangeAspect="1"/>
+          </p:cNvGraphicFramePr>
+          <p:nvPr>
+            <p:extLst>
+              <p:ext uri="{D42A27DB-BD31-4B8C-83A1-F6EECF244321}">
+                <p14:modId xmlns:p14="http://schemas.microsoft.com/office/powerpoint/2010/main" val="174865256"/>
+              </p:ext>
+            </p:extLst>
+          </p:nvPr>
+        </p:nvGraphicFramePr>
+        <p:xfrm>
+          <a:off x="2612951" y="2248173"/>
+          <a:ext cx="7569925" cy="2631405"/>
+        </p:xfrm>
+        <a:graphic>
+          <a:graphicData uri="http://schemas.openxmlformats.org/presentationml/2006/ole">
+            <mc:AlternateContent xmlns:mc="http://schemas.openxmlformats.org/markup-compatibility/2006">
+              <mc:Choice xmlns:v="urn:schemas-microsoft-com:vml" Requires="v">
+                <p:oleObj spid="_x0000_s2054" name="包装程序外壳对象" showAsIcon="1" r:id="rId5" imgW="1296360" imgH="451080" progId="Package">
+                  <p:embed/>
+                </p:oleObj>
+              </mc:Choice>
+              <mc:Fallback>
+                <p:oleObj name="包装程序外壳对象" showAsIcon="1" r:id="rId5" imgW="1296360" imgH="451080" progId="Package">
+                  <p:embed/>
+                  <p:pic>
+                    <p:nvPicPr>
+                      <p:cNvPr id="0" name=""/>
+                      <p:cNvPicPr/>
+                      <p:nvPr/>
+                    </p:nvPicPr>
+                    <p:blipFill>
+                      <a:blip r:embed="rId6"/>
+                      <a:stretch>
+                        <a:fillRect/>
+                      </a:stretch>
+                    </p:blipFill>
+                    <p:spPr>
+                      <a:xfrm>
+                        <a:off x="2612951" y="2248173"/>
+                        <a:ext cx="7569925" cy="2631405"/>
+                      </a:xfrm>
+                      <a:prstGeom prst="rect">
+                        <a:avLst/>
+                      </a:prstGeom>
+                    </p:spPr>
+                  </p:pic>
+                </p:oleObj>
+              </mc:Fallback>
+            </mc:AlternateContent>
+          </a:graphicData>
+        </a:graphic>
+      </p:graphicFrame>
+    </p:spTree>
+    <p:extLst>
+      <p:ext uri="{BB962C8B-B14F-4D97-AF65-F5344CB8AC3E}">
+        <p14:creationId xmlns:p14="http://schemas.microsoft.com/office/powerpoint/2010/main" val="3612981376"/>
+      </p:ext>
+    </p:extLst>
+  </p:cSld>
+  <p:clrMapOvr>
+    <a:masterClrMapping/>
+  </p:clrMapOvr>
+  <mc:AlternateContent xmlns:mc="http://schemas.openxmlformats.org/markup-compatibility/2006" xmlns:p14="http://schemas.microsoft.com/office/powerpoint/2010/main">
+    <mc:Choice Requires="p14">
+      <p:transition spd="slow" p14:dur="1200" advTm="4000">
+        <p14:prism/>
+      </p:transition>
+    </mc:Choice>
+    <mc:Fallback xmlns="">
+      <p:transition spd="slow" advTm="4000">
+        <p:fade/>
+      </p:transition>
+    </mc:Fallback>
+  </mc:AlternateContent>
+  <p:timing>
+    <p:tnLst>
+      <p:par>
+        <p:cTn id="1" dur="indefinite" restart="never" nodeType="tmRoot"/>
+      </p:par>
+    </p:tnLst>
+  </p:timing>
+</p:sld>
+</file>
+
+<file path=ppt/slides/slide11.xml><?xml version="1.0" encoding="utf-8"?>
+<p:sld xmlns:a="http://schemas.openxmlformats.org/drawingml/2006/main" xmlns:r="http://schemas.openxmlformats.org/officeDocument/2006/relationships" xmlns:p="http://schemas.openxmlformats.org/presentationml/2006/main">
+  <p:cSld>
+    <p:spTree>
+      <p:nvGrpSpPr>
+        <p:cNvPr id="1" name=""/>
+        <p:cNvGrpSpPr/>
+        <p:nvPr/>
+      </p:nvGrpSpPr>
+      <p:grpSpPr>
+        <a:xfrm>
+          <a:off x="0" y="0"/>
+          <a:ext cx="0" cy="0"/>
+          <a:chOff x="0" y="0"/>
+          <a:chExt cx="0" cy="0"/>
+        </a:xfrm>
+      </p:grpSpPr>
+      <p:sp>
+        <p:nvSpPr>
           <p:cNvPr id="10" name="矩形 9"/>
           <p:cNvSpPr/>
           <p:nvPr/>
@@ -3829,12 +4128,6 @@
               </a:rPr>
               <a:t>小组</a:t>
             </a:r>
-            <a:endParaRPr lang="zh-CN" altLang="en-US" sz="1600" dirty="0">
-              <a:solidFill>
-                <a:schemeClr val="bg1"/>
-              </a:solidFill>
-              <a:cs typeface="Arial" panose="020B0604020202020204" pitchFamily="34" charset="0"/>
-            </a:endParaRPr>
           </a:p>
         </p:txBody>
       </p:sp>
@@ -6595,13 +6888,6 @@
               </a:rPr>
               <a:t>家庭物品管理系统</a:t>
             </a:r>
-            <a:endParaRPr lang="zh-CN" altLang="en-US" sz="2000" b="1" cap="all" dirty="0">
-              <a:solidFill>
-                <a:schemeClr val="accent1"/>
-              </a:solidFill>
-              <a:latin typeface="Agency FB" panose="020B0503020202020204" pitchFamily="34" charset="0"/>
-              <a:cs typeface="Arial" panose="020B0604020202020204" pitchFamily="34" charset="0"/>
-            </a:endParaRPr>
           </a:p>
         </p:txBody>
       </p:sp>
@@ -12126,13 +12412,6 @@
               </a:rPr>
               <a:t>家庭物品管理系统</a:t>
             </a:r>
-            <a:endParaRPr lang="zh-CN" altLang="en-US" sz="2000" b="1" cap="all" dirty="0">
-              <a:solidFill>
-                <a:schemeClr val="accent1"/>
-              </a:solidFill>
-              <a:latin typeface="Agency FB" panose="020B0503020202020204" pitchFamily="34" charset="0"/>
-              <a:cs typeface="Arial" panose="020B0604020202020204" pitchFamily="34" charset="0"/>
-            </a:endParaRPr>
           </a:p>
         </p:txBody>
       </p:sp>
@@ -13016,6 +13295,2118 @@
 </file>
 
 <file path=ppt/slides/slide7.xml><?xml version="1.0" encoding="utf-8"?>
+<p:sld xmlns:a="http://schemas.openxmlformats.org/drawingml/2006/main" xmlns:r="http://schemas.openxmlformats.org/officeDocument/2006/relationships" xmlns:p="http://schemas.openxmlformats.org/presentationml/2006/main">
+  <p:cSld>
+    <p:spTree>
+      <p:nvGrpSpPr>
+        <p:cNvPr id="1" name=""/>
+        <p:cNvGrpSpPr/>
+        <p:nvPr/>
+      </p:nvGrpSpPr>
+      <p:grpSpPr>
+        <a:xfrm>
+          <a:off x="0" y="0"/>
+          <a:ext cx="0" cy="0"/>
+          <a:chOff x="0" y="0"/>
+          <a:chExt cx="0" cy="0"/>
+        </a:xfrm>
+      </p:grpSpPr>
+      <p:sp>
+        <p:nvSpPr>
+          <p:cNvPr id="2" name="Shape 2012"/>
+          <p:cNvSpPr/>
+          <p:nvPr/>
+        </p:nvSpPr>
+        <p:spPr>
+          <a:xfrm>
+            <a:off x="4031063" y="3990925"/>
+            <a:ext cx="4630560" cy="1929656"/>
+          </a:xfrm>
+          <a:prstGeom prst="roundRect">
+            <a:avLst>
+              <a:gd name="adj" fmla="val 6918"/>
+            </a:avLst>
+          </a:prstGeom>
+          <a:noFill/>
+          <a:ln w="12700">
+            <a:solidFill>
+              <a:srgbClr val="A6AAA9"/>
+            </a:solidFill>
+            <a:miter lim="400000"/>
+          </a:ln>
+        </p:spPr>
+        <p:txBody>
+          <a:bodyPr lIns="17447" tIns="17447" rIns="17447" bIns="17447" anchor="ctr"/>
+          <a:lstStyle/>
+          <a:p>
+            <a:pPr lvl="0">
+              <a:lnSpc>
+                <a:spcPct val="120000"/>
+              </a:lnSpc>
+            </a:pPr>
+            <a:endParaRPr sz="1600">
+              <a:latin typeface="Arial" panose="020B0604020202020204" pitchFamily="34" charset="0"/>
+              <a:ea typeface="微软雅黑" panose="020B0503020204020204" pitchFamily="34" charset="-122"/>
+              <a:cs typeface="+mn-ea"/>
+              <a:sym typeface="Arial" panose="020B0604020202020204" pitchFamily="34" charset="0"/>
+            </a:endParaRPr>
+          </a:p>
+        </p:txBody>
+      </p:sp>
+      <p:sp>
+        <p:nvSpPr>
+          <p:cNvPr id="5" name="Shape 2015"/>
+          <p:cNvSpPr/>
+          <p:nvPr/>
+        </p:nvSpPr>
+        <p:spPr>
+          <a:xfrm>
+            <a:off x="4031063" y="1031065"/>
+            <a:ext cx="4630560" cy="2125583"/>
+          </a:xfrm>
+          <a:prstGeom prst="roundRect">
+            <a:avLst>
+              <a:gd name="adj" fmla="val 6918"/>
+            </a:avLst>
+          </a:prstGeom>
+          <a:noFill/>
+          <a:ln w="12700">
+            <a:solidFill>
+              <a:srgbClr val="A6AAA9"/>
+            </a:solidFill>
+            <a:miter lim="400000"/>
+          </a:ln>
+        </p:spPr>
+        <p:txBody>
+          <a:bodyPr lIns="17447" tIns="17447" rIns="17447" bIns="17447" anchor="ctr"/>
+          <a:lstStyle/>
+          <a:p>
+            <a:pPr lvl="0">
+              <a:lnSpc>
+                <a:spcPct val="120000"/>
+              </a:lnSpc>
+            </a:pPr>
+            <a:endParaRPr sz="1600">
+              <a:latin typeface="Arial" panose="020B0604020202020204" pitchFamily="34" charset="0"/>
+              <a:ea typeface="微软雅黑" panose="020B0503020204020204" pitchFamily="34" charset="-122"/>
+              <a:cs typeface="+mn-ea"/>
+              <a:sym typeface="Arial" panose="020B0604020202020204" pitchFamily="34" charset="0"/>
+            </a:endParaRPr>
+          </a:p>
+        </p:txBody>
+      </p:sp>
+      <p:sp>
+        <p:nvSpPr>
+          <p:cNvPr id="7" name="Shape 2021"/>
+          <p:cNvSpPr/>
+          <p:nvPr/>
+        </p:nvSpPr>
+        <p:spPr>
+          <a:xfrm>
+            <a:off x="4284454" y="1938929"/>
+            <a:ext cx="4609324" cy="295466"/>
+          </a:xfrm>
+          <a:prstGeom prst="rect">
+            <a:avLst/>
+          </a:prstGeom>
+          <a:ln w="12700">
+            <a:miter lim="400000"/>
+          </a:ln>
+          <a:extLst>
+            <a:ext uri="{C572A759-6A51-4108-AA02-DFA0A04FC94B}">
+              <ma14:wrappingTextBoxFlag xmlns="" xmlns:ma14="http://schemas.microsoft.com/office/mac/drawingml/2011/main" val="1"/>
+            </a:ext>
+          </a:extLst>
+        </p:spPr>
+        <p:txBody>
+          <a:bodyPr wrap="square" lIns="0" tIns="0" rIns="0" bIns="0">
+            <a:spAutoFit/>
+          </a:bodyPr>
+          <a:lstStyle>
+            <a:lvl1pPr algn="l">
+              <a:lnSpc>
+                <a:spcPct val="120000"/>
+              </a:lnSpc>
+              <a:spcBef>
+                <a:spcPts val="2500"/>
+              </a:spcBef>
+              <a:defRPr sz="2000">
+                <a:solidFill>
+                  <a:srgbClr val="53585F"/>
+                </a:solidFill>
+              </a:defRPr>
+            </a:lvl1pPr>
+          </a:lstStyle>
+          <a:p>
+            <a:r>
+              <a:rPr lang="en-US" altLang="zh-CN" sz="1600" dirty="0" err="1" smtClean="0">
+                <a:solidFill>
+                  <a:schemeClr val="tx1"/>
+                </a:solidFill>
+                <a:latin typeface="Arial" panose="020B0604020202020204" pitchFamily="34" charset="0"/>
+                <a:ea typeface="微软雅黑" panose="020B0503020204020204" pitchFamily="34" charset="-122"/>
+                <a:cs typeface="+mn-ea"/>
+                <a:sym typeface="Arial" panose="020B0604020202020204" pitchFamily="34" charset="0"/>
+              </a:rPr>
+              <a:t>Windows10+visual</a:t>
+            </a:r>
+            <a:r>
+              <a:rPr lang="en-US" altLang="zh-CN" sz="1600" dirty="0" smtClean="0">
+                <a:solidFill>
+                  <a:schemeClr val="tx1"/>
+                </a:solidFill>
+                <a:latin typeface="Arial" panose="020B0604020202020204" pitchFamily="34" charset="0"/>
+                <a:ea typeface="微软雅黑" panose="020B0503020204020204" pitchFamily="34" charset="-122"/>
+                <a:cs typeface="+mn-ea"/>
+                <a:sym typeface="Arial" panose="020B0604020202020204" pitchFamily="34" charset="0"/>
+              </a:rPr>
+              <a:t> </a:t>
+            </a:r>
+            <a:r>
+              <a:rPr lang="en-US" altLang="zh-CN" sz="1600" dirty="0" err="1" smtClean="0">
+                <a:solidFill>
+                  <a:schemeClr val="tx1"/>
+                </a:solidFill>
+                <a:latin typeface="Arial" panose="020B0604020202020204" pitchFamily="34" charset="0"/>
+                <a:ea typeface="微软雅黑" panose="020B0503020204020204" pitchFamily="34" charset="-122"/>
+                <a:cs typeface="+mn-ea"/>
+                <a:sym typeface="Arial" panose="020B0604020202020204" pitchFamily="34" charset="0"/>
+              </a:rPr>
+              <a:t>studio2015</a:t>
+            </a:r>
+            <a:r>
+              <a:rPr lang="en-US" altLang="zh-CN" sz="1600" dirty="0" smtClean="0">
+                <a:solidFill>
+                  <a:schemeClr val="tx1"/>
+                </a:solidFill>
+                <a:latin typeface="Arial" panose="020B0604020202020204" pitchFamily="34" charset="0"/>
+                <a:ea typeface="微软雅黑" panose="020B0503020204020204" pitchFamily="34" charset="-122"/>
+                <a:cs typeface="+mn-ea"/>
+                <a:sym typeface="Arial" panose="020B0604020202020204" pitchFamily="34" charset="0"/>
+              </a:rPr>
+              <a:t> +</a:t>
+            </a:r>
+            <a:r>
+              <a:rPr lang="en-US" altLang="zh-CN" sz="1600" dirty="0" err="1" smtClean="0">
+                <a:solidFill>
+                  <a:schemeClr val="tx1"/>
+                </a:solidFill>
+                <a:latin typeface="Arial" panose="020B0604020202020204" pitchFamily="34" charset="0"/>
+                <a:ea typeface="微软雅黑" panose="020B0503020204020204" pitchFamily="34" charset="-122"/>
+                <a:cs typeface="+mn-ea"/>
+                <a:sym typeface="Arial" panose="020B0604020202020204" pitchFamily="34" charset="0"/>
+              </a:rPr>
+              <a:t>sql</a:t>
+            </a:r>
+            <a:r>
+              <a:rPr lang="en-US" altLang="zh-CN" sz="1600" dirty="0" smtClean="0">
+                <a:solidFill>
+                  <a:schemeClr val="tx1"/>
+                </a:solidFill>
+                <a:latin typeface="Arial" panose="020B0604020202020204" pitchFamily="34" charset="0"/>
+                <a:ea typeface="微软雅黑" panose="020B0503020204020204" pitchFamily="34" charset="-122"/>
+                <a:cs typeface="+mn-ea"/>
+                <a:sym typeface="Arial" panose="020B0604020202020204" pitchFamily="34" charset="0"/>
+              </a:rPr>
+              <a:t> server 2012</a:t>
+            </a:r>
+            <a:endParaRPr lang="en-US" altLang="zh-CN" sz="1600" dirty="0">
+              <a:solidFill>
+                <a:schemeClr val="tx1"/>
+              </a:solidFill>
+              <a:latin typeface="Arial" panose="020B0604020202020204" pitchFamily="34" charset="0"/>
+              <a:ea typeface="微软雅黑" panose="020B0503020204020204" pitchFamily="34" charset="-122"/>
+              <a:cs typeface="+mn-ea"/>
+              <a:sym typeface="Arial" panose="020B0604020202020204" pitchFamily="34" charset="0"/>
+            </a:endParaRPr>
+          </a:p>
+        </p:txBody>
+      </p:sp>
+      <p:sp>
+        <p:nvSpPr>
+          <p:cNvPr id="11" name="Shape 2025"/>
+          <p:cNvSpPr/>
+          <p:nvPr/>
+        </p:nvSpPr>
+        <p:spPr>
+          <a:xfrm>
+            <a:off x="3421885" y="4839556"/>
+            <a:ext cx="5197588" cy="295466"/>
+          </a:xfrm>
+          <a:prstGeom prst="rect">
+            <a:avLst/>
+          </a:prstGeom>
+          <a:ln w="12700">
+            <a:miter lim="400000"/>
+          </a:ln>
+          <a:extLst>
+            <a:ext uri="{C572A759-6A51-4108-AA02-DFA0A04FC94B}">
+              <ma14:wrappingTextBoxFlag xmlns="" xmlns:ma14="http://schemas.microsoft.com/office/mac/drawingml/2011/main" val="1"/>
+            </a:ext>
+          </a:extLst>
+        </p:spPr>
+        <p:txBody>
+          <a:bodyPr wrap="square" lIns="0" tIns="0" rIns="0" bIns="0">
+            <a:spAutoFit/>
+          </a:bodyPr>
+          <a:lstStyle>
+            <a:lvl1pPr algn="r">
+              <a:lnSpc>
+                <a:spcPct val="120000"/>
+              </a:lnSpc>
+              <a:spcBef>
+                <a:spcPts val="4500"/>
+              </a:spcBef>
+              <a:defRPr sz="2000">
+                <a:solidFill>
+                  <a:srgbClr val="53585F"/>
+                </a:solidFill>
+              </a:defRPr>
+            </a:lvl1pPr>
+          </a:lstStyle>
+          <a:p>
+            <a:r>
+              <a:rPr lang="en-US" altLang="zh-CN" sz="1600" dirty="0" err="1" smtClean="0">
+                <a:solidFill>
+                  <a:schemeClr val="tx1"/>
+                </a:solidFill>
+                <a:latin typeface="Arial" panose="020B0604020202020204" pitchFamily="34" charset="0"/>
+                <a:ea typeface="微软雅黑" panose="020B0503020204020204" pitchFamily="34" charset="-122"/>
+                <a:cs typeface="+mn-ea"/>
+                <a:sym typeface="Arial" panose="020B0604020202020204" pitchFamily="34" charset="0"/>
+              </a:rPr>
+              <a:t>zigbee.CC2530</a:t>
+            </a:r>
+            <a:r>
+              <a:rPr lang="en-US" altLang="zh-CN" sz="1600" dirty="0" smtClean="0">
+                <a:solidFill>
+                  <a:schemeClr val="tx1"/>
+                </a:solidFill>
+                <a:latin typeface="Arial" panose="020B0604020202020204" pitchFamily="34" charset="0"/>
+                <a:ea typeface="微软雅黑" panose="020B0503020204020204" pitchFamily="34" charset="-122"/>
+                <a:cs typeface="+mn-ea"/>
+                <a:sym typeface="Arial" panose="020B0604020202020204" pitchFamily="34" charset="0"/>
+              </a:rPr>
+              <a:t> </a:t>
+            </a:r>
+            <a:r>
+              <a:rPr lang="zh-CN" altLang="en-US" sz="1600" dirty="0" smtClean="0">
+                <a:solidFill>
+                  <a:schemeClr val="tx1"/>
+                </a:solidFill>
+                <a:latin typeface="Arial" panose="020B0604020202020204" pitchFamily="34" charset="0"/>
+                <a:ea typeface="微软雅黑" panose="020B0503020204020204" pitchFamily="34" charset="-122"/>
+                <a:cs typeface="+mn-ea"/>
+                <a:sym typeface="Arial" panose="020B0604020202020204" pitchFamily="34" charset="0"/>
+              </a:rPr>
+              <a:t>开发套件</a:t>
+            </a:r>
+            <a:r>
+              <a:rPr lang="en-US" altLang="zh-CN" sz="1600" dirty="0">
+                <a:solidFill>
+                  <a:schemeClr val="tx1"/>
+                </a:solidFill>
+                <a:latin typeface="Arial" panose="020B0604020202020204" pitchFamily="34" charset="0"/>
+                <a:ea typeface="微软雅黑" panose="020B0503020204020204" pitchFamily="34" charset="-122"/>
+                <a:cs typeface="+mn-ea"/>
+                <a:sym typeface="Arial" panose="020B0604020202020204" pitchFamily="34" charset="0"/>
+              </a:rPr>
+              <a:t> </a:t>
+            </a:r>
+            <a:r>
+              <a:rPr lang="en-US" altLang="zh-CN" sz="1600" dirty="0" smtClean="0">
+                <a:solidFill>
+                  <a:schemeClr val="tx1"/>
+                </a:solidFill>
+                <a:latin typeface="Arial" panose="020B0604020202020204" pitchFamily="34" charset="0"/>
+                <a:ea typeface="微软雅黑" panose="020B0503020204020204" pitchFamily="34" charset="-122"/>
+                <a:cs typeface="+mn-ea"/>
+                <a:sym typeface="Arial" panose="020B0604020202020204" pitchFamily="34" charset="0"/>
+              </a:rPr>
+              <a:t>+</a:t>
+            </a:r>
+            <a:r>
+              <a:rPr lang="zh-CN" altLang="en-US" sz="1600" dirty="0" smtClean="0">
+                <a:solidFill>
+                  <a:schemeClr val="tx1"/>
+                </a:solidFill>
+                <a:latin typeface="Arial" panose="020B0604020202020204" pitchFamily="34" charset="0"/>
+                <a:ea typeface="微软雅黑" panose="020B0503020204020204" pitchFamily="34" charset="-122"/>
+                <a:cs typeface="+mn-ea"/>
+                <a:sym typeface="Arial" panose="020B0604020202020204" pitchFamily="34" charset="0"/>
+              </a:rPr>
+              <a:t>具有摄像头的电脑设备</a:t>
+            </a:r>
+            <a:endParaRPr lang="en-US" altLang="zh-CN" sz="1600" dirty="0" smtClean="0">
+              <a:solidFill>
+                <a:schemeClr val="tx1"/>
+              </a:solidFill>
+              <a:latin typeface="Arial" panose="020B0604020202020204" pitchFamily="34" charset="0"/>
+              <a:ea typeface="微软雅黑" panose="020B0503020204020204" pitchFamily="34" charset="-122"/>
+              <a:cs typeface="+mn-ea"/>
+              <a:sym typeface="Arial" panose="020B0604020202020204" pitchFamily="34" charset="0"/>
+            </a:endParaRPr>
+          </a:p>
+        </p:txBody>
+      </p:sp>
+      <p:grpSp>
+        <p:nvGrpSpPr>
+          <p:cNvPr id="15" name="Group 2031"/>
+          <p:cNvGrpSpPr/>
+          <p:nvPr/>
+        </p:nvGrpSpPr>
+        <p:grpSpPr>
+          <a:xfrm>
+            <a:off x="3353238" y="1063872"/>
+            <a:ext cx="875057" cy="875057"/>
+            <a:chOff x="0" y="0"/>
+            <a:chExt cx="1910968" cy="1910968"/>
+          </a:xfrm>
+        </p:grpSpPr>
+        <p:sp>
+          <p:nvSpPr>
+            <p:cNvPr id="16" name="Shape 2029"/>
+            <p:cNvSpPr/>
+            <p:nvPr/>
+          </p:nvSpPr>
+          <p:spPr>
+            <a:xfrm>
+              <a:off x="0" y="0"/>
+              <a:ext cx="1910969" cy="1910969"/>
+            </a:xfrm>
+            <a:custGeom>
+              <a:avLst/>
+              <a:gdLst/>
+              <a:ahLst/>
+              <a:cxnLst>
+                <a:cxn ang="0">
+                  <a:pos x="wd2" y="hd2"/>
+                </a:cxn>
+                <a:cxn ang="5400000">
+                  <a:pos x="wd2" y="hd2"/>
+                </a:cxn>
+                <a:cxn ang="10800000">
+                  <a:pos x="wd2" y="hd2"/>
+                </a:cxn>
+                <a:cxn ang="16200000">
+                  <a:pos x="wd2" y="hd2"/>
+                </a:cxn>
+              </a:cxnLst>
+              <a:rect l="0" t="0" r="r" b="b"/>
+              <a:pathLst>
+                <a:path w="19679" h="19679" extrusionOk="0">
+                  <a:moveTo>
+                    <a:pt x="16796" y="2882"/>
+                  </a:moveTo>
+                  <a:cubicBezTo>
+                    <a:pt x="20639" y="6724"/>
+                    <a:pt x="20639" y="12954"/>
+                    <a:pt x="16796" y="16796"/>
+                  </a:cubicBezTo>
+                  <a:cubicBezTo>
+                    <a:pt x="12954" y="20639"/>
+                    <a:pt x="6724" y="20639"/>
+                    <a:pt x="2882" y="16796"/>
+                  </a:cubicBezTo>
+                  <a:cubicBezTo>
+                    <a:pt x="-961" y="12954"/>
+                    <a:pt x="-961" y="6724"/>
+                    <a:pt x="2882" y="2882"/>
+                  </a:cubicBezTo>
+                  <a:cubicBezTo>
+                    <a:pt x="6724" y="-961"/>
+                    <a:pt x="12954" y="-961"/>
+                    <a:pt x="16796" y="2882"/>
+                  </a:cubicBezTo>
+                  <a:close/>
+                </a:path>
+              </a:pathLst>
+            </a:custGeom>
+            <a:solidFill>
+              <a:schemeClr val="accent1"/>
+            </a:solidFill>
+            <a:ln w="12700" cap="flat">
+              <a:noFill/>
+              <a:miter lim="400000"/>
+            </a:ln>
+            <a:effectLst/>
+          </p:spPr>
+          <p:txBody>
+            <a:bodyPr wrap="square" lIns="31016" tIns="31016" rIns="31016" bIns="31016" numCol="1" anchor="ctr">
+              <a:noAutofit/>
+            </a:bodyPr>
+            <a:lstStyle/>
+            <a:p>
+              <a:pPr lvl="0">
+                <a:lnSpc>
+                  <a:spcPct val="120000"/>
+                </a:lnSpc>
+              </a:pPr>
+              <a:endParaRPr sz="1600">
+                <a:latin typeface="Arial" panose="020B0604020202020204" pitchFamily="34" charset="0"/>
+                <a:ea typeface="微软雅黑" panose="020B0503020204020204" pitchFamily="34" charset="-122"/>
+                <a:cs typeface="+mn-ea"/>
+                <a:sym typeface="Arial" panose="020B0604020202020204" pitchFamily="34" charset="0"/>
+              </a:endParaRPr>
+            </a:p>
+          </p:txBody>
+        </p:sp>
+        <p:sp>
+          <p:nvSpPr>
+            <p:cNvPr id="17" name="Shape 2030"/>
+            <p:cNvSpPr/>
+            <p:nvPr/>
+          </p:nvSpPr>
+          <p:spPr>
+            <a:xfrm>
+              <a:off x="553362" y="560070"/>
+              <a:ext cx="804244" cy="706915"/>
+            </a:xfrm>
+            <a:custGeom>
+              <a:avLst/>
+              <a:gdLst/>
+              <a:ahLst/>
+              <a:cxnLst>
+                <a:cxn ang="0">
+                  <a:pos x="wd2" y="hd2"/>
+                </a:cxn>
+                <a:cxn ang="5400000">
+                  <a:pos x="wd2" y="hd2"/>
+                </a:cxn>
+                <a:cxn ang="10800000">
+                  <a:pos x="wd2" y="hd2"/>
+                </a:cxn>
+                <a:cxn ang="16200000">
+                  <a:pos x="wd2" y="hd2"/>
+                </a:cxn>
+              </a:cxnLst>
+              <a:rect l="0" t="0" r="r" b="b"/>
+              <a:pathLst>
+                <a:path w="21600" h="21600" extrusionOk="0">
+                  <a:moveTo>
+                    <a:pt x="8071" y="8035"/>
+                  </a:moveTo>
+                  <a:lnTo>
+                    <a:pt x="11327" y="9235"/>
+                  </a:lnTo>
+                  <a:lnTo>
+                    <a:pt x="14583" y="4904"/>
+                  </a:lnTo>
+                  <a:lnTo>
+                    <a:pt x="15088" y="4330"/>
+                  </a:lnTo>
+                  <a:lnTo>
+                    <a:pt x="17289" y="6157"/>
+                  </a:lnTo>
+                  <a:lnTo>
+                    <a:pt x="17289" y="3078"/>
+                  </a:lnTo>
+                  <a:lnTo>
+                    <a:pt x="17289" y="0"/>
+                  </a:lnTo>
+                  <a:lnTo>
+                    <a:pt x="14583" y="626"/>
+                  </a:lnTo>
+                  <a:lnTo>
+                    <a:pt x="11878" y="1200"/>
+                  </a:lnTo>
+                  <a:lnTo>
+                    <a:pt x="14033" y="3704"/>
+                  </a:lnTo>
+                  <a:lnTo>
+                    <a:pt x="10777" y="7409"/>
+                  </a:lnTo>
+                  <a:lnTo>
+                    <a:pt x="7567" y="6157"/>
+                  </a:lnTo>
+                  <a:lnTo>
+                    <a:pt x="5411" y="10487"/>
+                  </a:lnTo>
+                  <a:lnTo>
+                    <a:pt x="2155" y="9235"/>
+                  </a:lnTo>
+                  <a:lnTo>
+                    <a:pt x="550" y="14817"/>
+                  </a:lnTo>
+                  <a:lnTo>
+                    <a:pt x="0" y="16017"/>
+                  </a:lnTo>
+                  <a:lnTo>
+                    <a:pt x="1055" y="16643"/>
+                  </a:lnTo>
+                  <a:lnTo>
+                    <a:pt x="2706" y="11113"/>
+                  </a:lnTo>
+                  <a:lnTo>
+                    <a:pt x="5916" y="12313"/>
+                  </a:lnTo>
+                  <a:lnTo>
+                    <a:pt x="8071" y="8035"/>
+                  </a:lnTo>
+                  <a:lnTo>
+                    <a:pt x="8071" y="8035"/>
+                  </a:lnTo>
+                  <a:close/>
+                  <a:moveTo>
+                    <a:pt x="6466" y="21600"/>
+                  </a:moveTo>
+                  <a:lnTo>
+                    <a:pt x="6466" y="16643"/>
+                  </a:lnTo>
+                  <a:lnTo>
+                    <a:pt x="3761" y="16643"/>
+                  </a:lnTo>
+                  <a:lnTo>
+                    <a:pt x="3761" y="21600"/>
+                  </a:lnTo>
+                  <a:lnTo>
+                    <a:pt x="6466" y="21600"/>
+                  </a:lnTo>
+                  <a:lnTo>
+                    <a:pt x="6466" y="21600"/>
+                  </a:lnTo>
+                  <a:close/>
+                  <a:moveTo>
+                    <a:pt x="10227" y="21600"/>
+                  </a:moveTo>
+                  <a:lnTo>
+                    <a:pt x="7567" y="21600"/>
+                  </a:lnTo>
+                  <a:lnTo>
+                    <a:pt x="7567" y="14817"/>
+                  </a:lnTo>
+                  <a:lnTo>
+                    <a:pt x="10227" y="14817"/>
+                  </a:lnTo>
+                  <a:lnTo>
+                    <a:pt x="10227" y="21600"/>
+                  </a:lnTo>
+                  <a:lnTo>
+                    <a:pt x="10227" y="21600"/>
+                  </a:lnTo>
+                  <a:close/>
+                  <a:moveTo>
+                    <a:pt x="14033" y="21600"/>
+                  </a:moveTo>
+                  <a:lnTo>
+                    <a:pt x="11327" y="21600"/>
+                  </a:lnTo>
+                  <a:lnTo>
+                    <a:pt x="11327" y="12313"/>
+                  </a:lnTo>
+                  <a:lnTo>
+                    <a:pt x="14033" y="12313"/>
+                  </a:lnTo>
+                  <a:lnTo>
+                    <a:pt x="14033" y="21600"/>
+                  </a:lnTo>
+                  <a:lnTo>
+                    <a:pt x="14033" y="21600"/>
+                  </a:lnTo>
+                  <a:close/>
+                  <a:moveTo>
+                    <a:pt x="17794" y="21600"/>
+                  </a:moveTo>
+                  <a:lnTo>
+                    <a:pt x="15088" y="21600"/>
+                  </a:lnTo>
+                  <a:lnTo>
+                    <a:pt x="15088" y="9861"/>
+                  </a:lnTo>
+                  <a:lnTo>
+                    <a:pt x="17794" y="9861"/>
+                  </a:lnTo>
+                  <a:lnTo>
+                    <a:pt x="17794" y="21600"/>
+                  </a:lnTo>
+                  <a:lnTo>
+                    <a:pt x="17794" y="21600"/>
+                  </a:lnTo>
+                  <a:close/>
+                  <a:moveTo>
+                    <a:pt x="18894" y="6783"/>
+                  </a:moveTo>
+                  <a:lnTo>
+                    <a:pt x="18894" y="21600"/>
+                  </a:lnTo>
+                  <a:lnTo>
+                    <a:pt x="21600" y="21600"/>
+                  </a:lnTo>
+                  <a:lnTo>
+                    <a:pt x="21600" y="6783"/>
+                  </a:lnTo>
+                  <a:lnTo>
+                    <a:pt x="18894" y="6783"/>
+                  </a:lnTo>
+                  <a:close/>
+                </a:path>
+              </a:pathLst>
+            </a:custGeom>
+            <a:solidFill>
+              <a:schemeClr val="bg1"/>
+            </a:solidFill>
+            <a:ln w="12700" cap="flat">
+              <a:noFill/>
+              <a:miter lim="400000"/>
+            </a:ln>
+            <a:effectLst/>
+          </p:spPr>
+          <p:txBody>
+            <a:bodyPr wrap="square" lIns="0" tIns="0" rIns="0" bIns="0" numCol="1" anchor="t">
+              <a:noAutofit/>
+            </a:bodyPr>
+            <a:lstStyle/>
+            <a:p>
+              <a:pPr lvl="0">
+                <a:lnSpc>
+                  <a:spcPct val="120000"/>
+                </a:lnSpc>
+              </a:pPr>
+              <a:endParaRPr sz="1600">
+                <a:latin typeface="Arial" panose="020B0604020202020204" pitchFamily="34" charset="0"/>
+                <a:ea typeface="微软雅黑" panose="020B0503020204020204" pitchFamily="34" charset="-122"/>
+                <a:cs typeface="+mn-ea"/>
+                <a:sym typeface="Arial" panose="020B0604020202020204" pitchFamily="34" charset="0"/>
+              </a:endParaRPr>
+            </a:p>
+          </p:txBody>
+        </p:sp>
+      </p:grpSp>
+      <p:grpSp>
+        <p:nvGrpSpPr>
+          <p:cNvPr id="22" name="Group 2040"/>
+          <p:cNvGrpSpPr/>
+          <p:nvPr/>
+        </p:nvGrpSpPr>
+        <p:grpSpPr>
+          <a:xfrm>
+            <a:off x="8224094" y="4074538"/>
+            <a:ext cx="875057" cy="875057"/>
+            <a:chOff x="0" y="0"/>
+            <a:chExt cx="1910968" cy="1910968"/>
+          </a:xfrm>
+        </p:grpSpPr>
+        <p:sp>
+          <p:nvSpPr>
+            <p:cNvPr id="23" name="Shape 2038"/>
+            <p:cNvSpPr/>
+            <p:nvPr/>
+          </p:nvSpPr>
+          <p:spPr>
+            <a:xfrm>
+              <a:off x="0" y="0"/>
+              <a:ext cx="1910969" cy="1910969"/>
+            </a:xfrm>
+            <a:custGeom>
+              <a:avLst/>
+              <a:gdLst/>
+              <a:ahLst/>
+              <a:cxnLst>
+                <a:cxn ang="0">
+                  <a:pos x="wd2" y="hd2"/>
+                </a:cxn>
+                <a:cxn ang="5400000">
+                  <a:pos x="wd2" y="hd2"/>
+                </a:cxn>
+                <a:cxn ang="10800000">
+                  <a:pos x="wd2" y="hd2"/>
+                </a:cxn>
+                <a:cxn ang="16200000">
+                  <a:pos x="wd2" y="hd2"/>
+                </a:cxn>
+              </a:cxnLst>
+              <a:rect l="0" t="0" r="r" b="b"/>
+              <a:pathLst>
+                <a:path w="19679" h="19679" extrusionOk="0">
+                  <a:moveTo>
+                    <a:pt x="16796" y="2882"/>
+                  </a:moveTo>
+                  <a:cubicBezTo>
+                    <a:pt x="20639" y="6724"/>
+                    <a:pt x="20639" y="12954"/>
+                    <a:pt x="16796" y="16796"/>
+                  </a:cubicBezTo>
+                  <a:cubicBezTo>
+                    <a:pt x="12954" y="20639"/>
+                    <a:pt x="6724" y="20639"/>
+                    <a:pt x="2882" y="16796"/>
+                  </a:cubicBezTo>
+                  <a:cubicBezTo>
+                    <a:pt x="-961" y="12954"/>
+                    <a:pt x="-961" y="6724"/>
+                    <a:pt x="2882" y="2882"/>
+                  </a:cubicBezTo>
+                  <a:cubicBezTo>
+                    <a:pt x="6724" y="-961"/>
+                    <a:pt x="12954" y="-961"/>
+                    <a:pt x="16796" y="2882"/>
+                  </a:cubicBezTo>
+                  <a:close/>
+                </a:path>
+              </a:pathLst>
+            </a:custGeom>
+            <a:solidFill>
+              <a:schemeClr val="accent3"/>
+            </a:solidFill>
+            <a:ln w="12700" cap="flat">
+              <a:noFill/>
+              <a:miter lim="400000"/>
+            </a:ln>
+            <a:effectLst/>
+          </p:spPr>
+          <p:txBody>
+            <a:bodyPr wrap="square" lIns="31016" tIns="31016" rIns="31016" bIns="31016" numCol="1" anchor="ctr">
+              <a:noAutofit/>
+            </a:bodyPr>
+            <a:lstStyle/>
+            <a:p>
+              <a:pPr lvl="0">
+                <a:lnSpc>
+                  <a:spcPct val="120000"/>
+                </a:lnSpc>
+              </a:pPr>
+              <a:endParaRPr sz="1600">
+                <a:latin typeface="Arial" panose="020B0604020202020204" pitchFamily="34" charset="0"/>
+                <a:ea typeface="微软雅黑" panose="020B0503020204020204" pitchFamily="34" charset="-122"/>
+                <a:cs typeface="+mn-ea"/>
+                <a:sym typeface="Arial" panose="020B0604020202020204" pitchFamily="34" charset="0"/>
+              </a:endParaRPr>
+            </a:p>
+          </p:txBody>
+        </p:sp>
+        <p:sp>
+          <p:nvSpPr>
+            <p:cNvPr id="24" name="Shape 2039"/>
+            <p:cNvSpPr/>
+            <p:nvPr/>
+          </p:nvSpPr>
+          <p:spPr>
+            <a:xfrm>
+              <a:off x="657404" y="557107"/>
+              <a:ext cx="596161" cy="749014"/>
+            </a:xfrm>
+            <a:custGeom>
+              <a:avLst/>
+              <a:gdLst/>
+              <a:ahLst/>
+              <a:cxnLst>
+                <a:cxn ang="0">
+                  <a:pos x="wd2" y="hd2"/>
+                </a:cxn>
+                <a:cxn ang="5400000">
+                  <a:pos x="wd2" y="hd2"/>
+                </a:cxn>
+                <a:cxn ang="10800000">
+                  <a:pos x="wd2" y="hd2"/>
+                </a:cxn>
+                <a:cxn ang="16200000">
+                  <a:pos x="wd2" y="hd2"/>
+                </a:cxn>
+              </a:cxnLst>
+              <a:rect l="0" t="0" r="r" b="b"/>
+              <a:pathLst>
+                <a:path w="21015" h="21072" extrusionOk="0">
+                  <a:moveTo>
+                    <a:pt x="17468" y="6506"/>
+                  </a:moveTo>
+                  <a:cubicBezTo>
+                    <a:pt x="16410" y="7763"/>
+                    <a:pt x="15333" y="6878"/>
+                    <a:pt x="13824" y="5996"/>
+                  </a:cubicBezTo>
+                  <a:cubicBezTo>
+                    <a:pt x="12317" y="5116"/>
+                    <a:pt x="10950" y="4575"/>
+                    <a:pt x="12006" y="3318"/>
+                  </a:cubicBezTo>
+                  <a:cubicBezTo>
+                    <a:pt x="13062" y="2059"/>
+                    <a:pt x="15140" y="1754"/>
+                    <a:pt x="16648" y="2634"/>
+                  </a:cubicBezTo>
+                  <a:cubicBezTo>
+                    <a:pt x="18155" y="3515"/>
+                    <a:pt x="18522" y="5248"/>
+                    <a:pt x="17468" y="6506"/>
+                  </a:cubicBezTo>
+                  <a:close/>
+                  <a:moveTo>
+                    <a:pt x="20868" y="4865"/>
+                  </a:moveTo>
+                  <a:cubicBezTo>
+                    <a:pt x="20191" y="1663"/>
+                    <a:pt x="16530" y="-474"/>
+                    <a:pt x="12691" y="90"/>
+                  </a:cubicBezTo>
+                  <a:cubicBezTo>
+                    <a:pt x="8853" y="655"/>
+                    <a:pt x="5613" y="3118"/>
+                    <a:pt x="6290" y="6320"/>
+                  </a:cubicBezTo>
+                  <a:cubicBezTo>
+                    <a:pt x="6436" y="7009"/>
+                    <a:pt x="6840" y="8088"/>
+                    <a:pt x="7318" y="8862"/>
+                  </a:cubicBezTo>
+                  <a:lnTo>
+                    <a:pt x="346" y="17166"/>
+                  </a:lnTo>
+                  <a:cubicBezTo>
+                    <a:pt x="90" y="17473"/>
+                    <a:pt x="-56" y="18024"/>
+                    <a:pt x="20" y="18392"/>
+                  </a:cubicBezTo>
+                  <a:lnTo>
+                    <a:pt x="470" y="20511"/>
+                  </a:lnTo>
+                  <a:cubicBezTo>
+                    <a:pt x="547" y="20879"/>
+                    <a:pt x="971" y="21126"/>
+                    <a:pt x="1412" y="21061"/>
+                  </a:cubicBezTo>
+                  <a:lnTo>
+                    <a:pt x="3454" y="20761"/>
+                  </a:lnTo>
+                  <a:cubicBezTo>
+                    <a:pt x="3895" y="20696"/>
+                    <a:pt x="4457" y="20387"/>
+                    <a:pt x="4700" y="20072"/>
+                  </a:cubicBezTo>
+                  <a:lnTo>
+                    <a:pt x="7456" y="16513"/>
+                  </a:lnTo>
+                  <a:lnTo>
+                    <a:pt x="7480" y="16490"/>
+                  </a:lnTo>
+                  <a:lnTo>
+                    <a:pt x="9346" y="16216"/>
+                  </a:lnTo>
+                  <a:lnTo>
+                    <a:pt x="12566" y="12046"/>
+                  </a:lnTo>
+                  <a:cubicBezTo>
+                    <a:pt x="13623" y="12195"/>
+                    <a:pt x="15142" y="12146"/>
+                    <a:pt x="16039" y="12013"/>
+                  </a:cubicBezTo>
+                  <a:cubicBezTo>
+                    <a:pt x="19878" y="11449"/>
+                    <a:pt x="21544" y="8068"/>
+                    <a:pt x="20868" y="4865"/>
+                  </a:cubicBezTo>
+                  <a:close/>
+                </a:path>
+              </a:pathLst>
+            </a:custGeom>
+            <a:solidFill>
+              <a:srgbClr val="FFFFFF"/>
+            </a:solidFill>
+            <a:ln w="12700" cap="flat">
+              <a:noFill/>
+              <a:miter lim="400000"/>
+            </a:ln>
+            <a:effectLst/>
+          </p:spPr>
+          <p:txBody>
+            <a:bodyPr wrap="square" lIns="0" tIns="0" rIns="0" bIns="0" numCol="1" anchor="ctr">
+              <a:noAutofit/>
+            </a:bodyPr>
+            <a:lstStyle/>
+            <a:p>
+              <a:pPr lvl="0">
+                <a:lnSpc>
+                  <a:spcPct val="120000"/>
+                </a:lnSpc>
+              </a:pPr>
+              <a:endParaRPr sz="1600">
+                <a:latin typeface="Arial" panose="020B0604020202020204" pitchFamily="34" charset="0"/>
+                <a:ea typeface="微软雅黑" panose="020B0503020204020204" pitchFamily="34" charset="-122"/>
+                <a:cs typeface="+mn-ea"/>
+                <a:sym typeface="Arial" panose="020B0604020202020204" pitchFamily="34" charset="0"/>
+              </a:endParaRPr>
+            </a:p>
+          </p:txBody>
+        </p:sp>
+      </p:grpSp>
+      <p:sp>
+        <p:nvSpPr>
+          <p:cNvPr id="26" name="Text Placeholder 5"/>
+          <p:cNvSpPr txBox="1">
+            <a:spLocks/>
+          </p:cNvSpPr>
+          <p:nvPr/>
+        </p:nvSpPr>
+        <p:spPr>
+          <a:xfrm>
+            <a:off x="5725946" y="3572637"/>
+            <a:ext cx="1406238" cy="580375"/>
+          </a:xfrm>
+          <a:prstGeom prst="rect">
+            <a:avLst/>
+          </a:prstGeom>
+        </p:spPr>
+        <p:txBody>
+          <a:bodyPr vert="horz" lIns="0" tIns="0" rIns="0" bIns="0" rtlCol="0" anchor="ctr">
+            <a:noAutofit/>
+          </a:bodyPr>
+          <a:lstStyle>
+            <a:lvl1pPr marL="0" indent="0" algn="l" defTabSz="914400" rtl="0" eaLnBrk="1" latinLnBrk="0" hangingPunct="1">
+              <a:lnSpc>
+                <a:spcPct val="90000"/>
+              </a:lnSpc>
+              <a:spcBef>
+                <a:spcPts val="1000"/>
+              </a:spcBef>
+              <a:buFont typeface="Arial" panose="020B0604020202020204" pitchFamily="34" charset="0"/>
+              <a:buNone/>
+              <a:defRPr sz="1750" kern="1200">
+                <a:solidFill>
+                  <a:schemeClr val="tx1"/>
+                </a:solidFill>
+                <a:latin typeface="Open Sans" panose="020B0606030504020204" pitchFamily="34" charset="0"/>
+                <a:ea typeface="Open Sans" panose="020B0606030504020204" pitchFamily="34" charset="0"/>
+                <a:cs typeface="Open Sans" panose="020B0606030504020204" pitchFamily="34" charset="0"/>
+              </a:defRPr>
+            </a:lvl1pPr>
+            <a:lvl2pPr marL="685800" indent="-228600" algn="l" defTabSz="914400" rtl="0" eaLnBrk="1" latinLnBrk="0" hangingPunct="1">
+              <a:lnSpc>
+                <a:spcPct val="90000"/>
+              </a:lnSpc>
+              <a:spcBef>
+                <a:spcPts val="500"/>
+              </a:spcBef>
+              <a:buFont typeface="Arial" panose="020B0604020202020204" pitchFamily="34" charset="0"/>
+              <a:buChar char="•"/>
+              <a:defRPr sz="2400" kern="1200">
+                <a:solidFill>
+                  <a:schemeClr val="tx1"/>
+                </a:solidFill>
+                <a:latin typeface="Open Sans "/>
+                <a:ea typeface="+mn-ea"/>
+                <a:cs typeface="+mn-cs"/>
+              </a:defRPr>
+            </a:lvl2pPr>
+            <a:lvl3pPr marL="1143000" indent="-228600" algn="l" defTabSz="914400" rtl="0" eaLnBrk="1" latinLnBrk="0" hangingPunct="1">
+              <a:lnSpc>
+                <a:spcPct val="90000"/>
+              </a:lnSpc>
+              <a:spcBef>
+                <a:spcPts val="500"/>
+              </a:spcBef>
+              <a:buFont typeface="Arial" panose="020B0604020202020204" pitchFamily="34" charset="0"/>
+              <a:buChar char="•"/>
+              <a:defRPr sz="2000" kern="1200">
+                <a:solidFill>
+                  <a:schemeClr val="tx1"/>
+                </a:solidFill>
+                <a:latin typeface="Open Sans "/>
+                <a:ea typeface="+mn-ea"/>
+                <a:cs typeface="+mn-cs"/>
+              </a:defRPr>
+            </a:lvl3pPr>
+            <a:lvl4pPr marL="1600200" indent="-228600" algn="l" defTabSz="914400" rtl="0" eaLnBrk="1" latinLnBrk="0" hangingPunct="1">
+              <a:lnSpc>
+                <a:spcPct val="90000"/>
+              </a:lnSpc>
+              <a:spcBef>
+                <a:spcPts val="500"/>
+              </a:spcBef>
+              <a:buFont typeface="Arial" panose="020B0604020202020204" pitchFamily="34" charset="0"/>
+              <a:buChar char="•"/>
+              <a:defRPr sz="1800" kern="1200">
+                <a:solidFill>
+                  <a:schemeClr val="tx1"/>
+                </a:solidFill>
+                <a:latin typeface="Open Sans "/>
+                <a:ea typeface="+mn-ea"/>
+                <a:cs typeface="+mn-cs"/>
+              </a:defRPr>
+            </a:lvl4pPr>
+            <a:lvl5pPr marL="2057400" indent="-228600" algn="l" defTabSz="914400" rtl="0" eaLnBrk="1" latinLnBrk="0" hangingPunct="1">
+              <a:lnSpc>
+                <a:spcPct val="90000"/>
+              </a:lnSpc>
+              <a:spcBef>
+                <a:spcPts val="500"/>
+              </a:spcBef>
+              <a:buFont typeface="Arial" panose="020B0604020202020204" pitchFamily="34" charset="0"/>
+              <a:buChar char="•"/>
+              <a:defRPr sz="1800" kern="1200">
+                <a:solidFill>
+                  <a:schemeClr val="tx1"/>
+                </a:solidFill>
+                <a:latin typeface="Open Sans "/>
+                <a:ea typeface="+mn-ea"/>
+                <a:cs typeface="+mn-cs"/>
+              </a:defRPr>
+            </a:lvl5pPr>
+            <a:lvl6pPr marL="2514600" indent="-228600" algn="l" defTabSz="914400" rtl="0" eaLnBrk="1" latinLnBrk="0" hangingPunct="1">
+              <a:lnSpc>
+                <a:spcPct val="90000"/>
+              </a:lnSpc>
+              <a:spcBef>
+                <a:spcPts val="500"/>
+              </a:spcBef>
+              <a:buFont typeface="Arial" panose="020B0604020202020204" pitchFamily="34" charset="0"/>
+              <a:buChar char="•"/>
+              <a:defRPr sz="1800" kern="1200">
+                <a:solidFill>
+                  <a:schemeClr val="tx1"/>
+                </a:solidFill>
+                <a:latin typeface="+mn-lt"/>
+                <a:ea typeface="+mn-ea"/>
+                <a:cs typeface="+mn-cs"/>
+              </a:defRPr>
+            </a:lvl6pPr>
+            <a:lvl7pPr marL="2971800" indent="-228600" algn="l" defTabSz="914400" rtl="0" eaLnBrk="1" latinLnBrk="0" hangingPunct="1">
+              <a:lnSpc>
+                <a:spcPct val="90000"/>
+              </a:lnSpc>
+              <a:spcBef>
+                <a:spcPts val="500"/>
+              </a:spcBef>
+              <a:buFont typeface="Arial" panose="020B0604020202020204" pitchFamily="34" charset="0"/>
+              <a:buChar char="•"/>
+              <a:defRPr sz="1800" kern="1200">
+                <a:solidFill>
+                  <a:schemeClr val="tx1"/>
+                </a:solidFill>
+                <a:latin typeface="+mn-lt"/>
+                <a:ea typeface="+mn-ea"/>
+                <a:cs typeface="+mn-cs"/>
+              </a:defRPr>
+            </a:lvl7pPr>
+            <a:lvl8pPr marL="3429000" indent="-228600" algn="l" defTabSz="914400" rtl="0" eaLnBrk="1" latinLnBrk="0" hangingPunct="1">
+              <a:lnSpc>
+                <a:spcPct val="90000"/>
+              </a:lnSpc>
+              <a:spcBef>
+                <a:spcPts val="500"/>
+              </a:spcBef>
+              <a:buFont typeface="Arial" panose="020B0604020202020204" pitchFamily="34" charset="0"/>
+              <a:buChar char="•"/>
+              <a:defRPr sz="1800" kern="1200">
+                <a:solidFill>
+                  <a:schemeClr val="tx1"/>
+                </a:solidFill>
+                <a:latin typeface="+mn-lt"/>
+                <a:ea typeface="+mn-ea"/>
+                <a:cs typeface="+mn-cs"/>
+              </a:defRPr>
+            </a:lvl8pPr>
+            <a:lvl9pPr marL="3886200" indent="-228600" algn="l" defTabSz="914400" rtl="0" eaLnBrk="1" latinLnBrk="0" hangingPunct="1">
+              <a:lnSpc>
+                <a:spcPct val="90000"/>
+              </a:lnSpc>
+              <a:spcBef>
+                <a:spcPts val="500"/>
+              </a:spcBef>
+              <a:buFont typeface="Arial" panose="020B0604020202020204" pitchFamily="34" charset="0"/>
+              <a:buChar char="•"/>
+              <a:defRPr sz="1800" kern="1200">
+                <a:solidFill>
+                  <a:schemeClr val="tx1"/>
+                </a:solidFill>
+                <a:latin typeface="+mn-lt"/>
+                <a:ea typeface="+mn-ea"/>
+                <a:cs typeface="+mn-cs"/>
+              </a:defRPr>
+            </a:lvl9pPr>
+          </a:lstStyle>
+          <a:p>
+            <a:pPr algn="ctr">
+              <a:lnSpc>
+                <a:spcPct val="120000"/>
+              </a:lnSpc>
+            </a:pPr>
+            <a:r>
+              <a:rPr lang="zh-CN" altLang="en-US" sz="2800" b="1" dirty="0" smtClean="0">
+                <a:solidFill>
+                  <a:schemeClr val="bg1"/>
+                </a:solidFill>
+                <a:latin typeface="Arial" panose="020B0604020202020204" pitchFamily="34" charset="0"/>
+                <a:ea typeface="微软雅黑" panose="020B0503020204020204" pitchFamily="34" charset="-122"/>
+                <a:cs typeface="+mn-ea"/>
+                <a:sym typeface="Arial" panose="020B0604020202020204" pitchFamily="34" charset="0"/>
+              </a:rPr>
+              <a:t>点击请替换文字内容</a:t>
+            </a:r>
+            <a:endParaRPr lang="en-GB" altLang="zh-CN" sz="2800" b="1" dirty="0">
+              <a:solidFill>
+                <a:schemeClr val="bg1"/>
+              </a:solidFill>
+              <a:latin typeface="Arial" panose="020B0604020202020204" pitchFamily="34" charset="0"/>
+              <a:ea typeface="微软雅黑" panose="020B0503020204020204" pitchFamily="34" charset="-122"/>
+              <a:cs typeface="+mn-ea"/>
+              <a:sym typeface="Arial" panose="020B0604020202020204" pitchFamily="34" charset="0"/>
+            </a:endParaRPr>
+          </a:p>
+        </p:txBody>
+      </p:sp>
+      <p:sp>
+        <p:nvSpPr>
+          <p:cNvPr id="30" name="Shape 2036"/>
+          <p:cNvSpPr/>
+          <p:nvPr/>
+        </p:nvSpPr>
+        <p:spPr>
+          <a:xfrm>
+            <a:off x="10381120" y="4566831"/>
+            <a:ext cx="368273" cy="392833"/>
+          </a:xfrm>
+          <a:custGeom>
+            <a:avLst/>
+            <a:gdLst/>
+            <a:ahLst/>
+            <a:cxnLst>
+              <a:cxn ang="0">
+                <a:pos x="wd2" y="hd2"/>
+              </a:cxn>
+              <a:cxn ang="5400000">
+                <a:pos x="wd2" y="hd2"/>
+              </a:cxn>
+              <a:cxn ang="10800000">
+                <a:pos x="wd2" y="hd2"/>
+              </a:cxn>
+              <a:cxn ang="16200000">
+                <a:pos x="wd2" y="hd2"/>
+              </a:cxn>
+            </a:cxnLst>
+            <a:rect l="0" t="0" r="r" b="b"/>
+            <a:pathLst>
+              <a:path w="21153" h="21260" extrusionOk="0">
+                <a:moveTo>
+                  <a:pt x="11752" y="11733"/>
+                </a:moveTo>
+                <a:lnTo>
+                  <a:pt x="9401" y="11733"/>
+                </a:lnTo>
+                <a:lnTo>
+                  <a:pt x="9401" y="5975"/>
+                </a:lnTo>
+                <a:lnTo>
+                  <a:pt x="11752" y="5975"/>
+                </a:lnTo>
+                <a:cubicBezTo>
+                  <a:pt x="11752" y="5975"/>
+                  <a:pt x="11752" y="11733"/>
+                  <a:pt x="11752" y="11733"/>
+                </a:cubicBezTo>
+                <a:close/>
+                <a:moveTo>
+                  <a:pt x="11752" y="15276"/>
+                </a:moveTo>
+                <a:lnTo>
+                  <a:pt x="9401" y="15276"/>
+                </a:lnTo>
+                <a:lnTo>
+                  <a:pt x="9401" y="12951"/>
+                </a:lnTo>
+                <a:lnTo>
+                  <a:pt x="11752" y="12951"/>
+                </a:lnTo>
+                <a:cubicBezTo>
+                  <a:pt x="11752" y="12951"/>
+                  <a:pt x="11752" y="15276"/>
+                  <a:pt x="11752" y="15276"/>
+                </a:cubicBezTo>
+                <a:close/>
+                <a:moveTo>
+                  <a:pt x="20789" y="13227"/>
+                </a:moveTo>
+                <a:lnTo>
+                  <a:pt x="18761" y="11523"/>
+                </a:lnTo>
+                <a:cubicBezTo>
+                  <a:pt x="18172" y="11029"/>
+                  <a:pt x="18172" y="10223"/>
+                  <a:pt x="18761" y="9729"/>
+                </a:cubicBezTo>
+                <a:lnTo>
+                  <a:pt x="20789" y="8025"/>
+                </a:lnTo>
+                <a:cubicBezTo>
+                  <a:pt x="21376" y="7532"/>
+                  <a:pt x="21220" y="7072"/>
+                  <a:pt x="20441" y="7001"/>
+                </a:cubicBezTo>
+                <a:lnTo>
+                  <a:pt x="17751" y="6761"/>
+                </a:lnTo>
+                <a:cubicBezTo>
+                  <a:pt x="16971" y="6692"/>
+                  <a:pt x="16552" y="6061"/>
+                  <a:pt x="16819" y="5360"/>
+                </a:cubicBezTo>
+                <a:lnTo>
+                  <a:pt x="18247" y="1615"/>
+                </a:lnTo>
+                <a:cubicBezTo>
+                  <a:pt x="18515" y="912"/>
+                  <a:pt x="18188" y="656"/>
+                  <a:pt x="17520" y="1047"/>
+                </a:cubicBezTo>
+                <a:lnTo>
+                  <a:pt x="14346" y="2896"/>
+                </a:lnTo>
+                <a:cubicBezTo>
+                  <a:pt x="13678" y="3285"/>
+                  <a:pt x="12815" y="3072"/>
+                  <a:pt x="12430" y="2423"/>
+                </a:cubicBezTo>
+                <a:lnTo>
+                  <a:pt x="11279" y="489"/>
+                </a:lnTo>
+                <a:cubicBezTo>
+                  <a:pt x="10893" y="-160"/>
+                  <a:pt x="10255" y="-164"/>
+                  <a:pt x="9860" y="481"/>
+                </a:cubicBezTo>
+                <a:lnTo>
+                  <a:pt x="8793" y="2232"/>
+                </a:lnTo>
+                <a:cubicBezTo>
+                  <a:pt x="8398" y="2877"/>
+                  <a:pt x="7493" y="3153"/>
+                  <a:pt x="6781" y="2844"/>
+                </a:cubicBezTo>
+                <a:lnTo>
+                  <a:pt x="4900" y="2031"/>
+                </a:lnTo>
+                <a:cubicBezTo>
+                  <a:pt x="4188" y="1723"/>
+                  <a:pt x="3639" y="2080"/>
+                  <a:pt x="3682" y="2825"/>
+                </a:cubicBezTo>
+                <a:lnTo>
+                  <a:pt x="3784" y="4615"/>
+                </a:lnTo>
+                <a:cubicBezTo>
+                  <a:pt x="3826" y="5360"/>
+                  <a:pt x="3242" y="6128"/>
+                  <a:pt x="2486" y="6320"/>
+                </a:cubicBezTo>
+                <a:lnTo>
+                  <a:pt x="670" y="6780"/>
+                </a:lnTo>
+                <a:cubicBezTo>
+                  <a:pt x="-85" y="6972"/>
+                  <a:pt x="-224" y="7532"/>
+                  <a:pt x="365" y="8025"/>
+                </a:cubicBezTo>
+                <a:lnTo>
+                  <a:pt x="2394" y="9729"/>
+                </a:lnTo>
+                <a:cubicBezTo>
+                  <a:pt x="2981" y="10223"/>
+                  <a:pt x="2981" y="11029"/>
+                  <a:pt x="2394" y="11523"/>
+                </a:cubicBezTo>
+                <a:lnTo>
+                  <a:pt x="365" y="13225"/>
+                </a:lnTo>
+                <a:cubicBezTo>
+                  <a:pt x="-224" y="13720"/>
+                  <a:pt x="-68" y="14196"/>
+                  <a:pt x="709" y="14285"/>
+                </a:cubicBezTo>
+                <a:lnTo>
+                  <a:pt x="3171" y="14567"/>
+                </a:lnTo>
+                <a:cubicBezTo>
+                  <a:pt x="3948" y="14656"/>
+                  <a:pt x="4381" y="15309"/>
+                  <a:pt x="4133" y="16017"/>
+                </a:cubicBezTo>
+                <a:lnTo>
+                  <a:pt x="2869" y="19625"/>
+                </a:lnTo>
+                <a:cubicBezTo>
+                  <a:pt x="2622" y="20333"/>
+                  <a:pt x="2976" y="20609"/>
+                  <a:pt x="3655" y="20240"/>
+                </a:cubicBezTo>
+                <a:lnTo>
+                  <a:pt x="6549" y="18661"/>
+                </a:lnTo>
+                <a:cubicBezTo>
+                  <a:pt x="7229" y="18291"/>
+                  <a:pt x="8143" y="18495"/>
+                  <a:pt x="8581" y="19113"/>
+                </a:cubicBezTo>
+                <a:lnTo>
+                  <a:pt x="9782" y="20816"/>
+                </a:lnTo>
+                <a:cubicBezTo>
+                  <a:pt x="10219" y="21436"/>
+                  <a:pt x="10875" y="21403"/>
+                  <a:pt x="11240" y="20741"/>
+                </a:cubicBezTo>
+                <a:lnTo>
+                  <a:pt x="12297" y="18823"/>
+                </a:lnTo>
+                <a:cubicBezTo>
+                  <a:pt x="12660" y="18160"/>
+                  <a:pt x="13532" y="17891"/>
+                  <a:pt x="14234" y="18221"/>
+                </a:cubicBezTo>
+                <a:lnTo>
+                  <a:pt x="16272" y="19181"/>
+                </a:lnTo>
+                <a:cubicBezTo>
+                  <a:pt x="16974" y="19511"/>
+                  <a:pt x="17514" y="19172"/>
+                  <a:pt x="17472" y="18427"/>
+                </a:cubicBezTo>
+                <a:lnTo>
+                  <a:pt x="17370" y="16637"/>
+                </a:lnTo>
+                <a:cubicBezTo>
+                  <a:pt x="17327" y="15891"/>
+                  <a:pt x="17912" y="15124"/>
+                  <a:pt x="18668" y="14932"/>
+                </a:cubicBezTo>
+                <a:lnTo>
+                  <a:pt x="20482" y="14472"/>
+                </a:lnTo>
+                <a:cubicBezTo>
+                  <a:pt x="21239" y="14280"/>
+                  <a:pt x="21376" y="13720"/>
+                  <a:pt x="20789" y="13227"/>
+                </a:cubicBezTo>
+                <a:close/>
+              </a:path>
+            </a:pathLst>
+          </a:custGeom>
+          <a:solidFill>
+            <a:srgbClr val="FFFFFF"/>
+          </a:solidFill>
+          <a:ln w="12700" cap="flat">
+            <a:noFill/>
+            <a:miter lim="400000"/>
+          </a:ln>
+          <a:effectLst/>
+        </p:spPr>
+        <p:txBody>
+          <a:bodyPr wrap="square" lIns="0" tIns="0" rIns="0" bIns="0" numCol="1" anchor="ctr">
+            <a:noAutofit/>
+          </a:bodyPr>
+          <a:lstStyle/>
+          <a:p>
+            <a:pPr lvl="0">
+              <a:lnSpc>
+                <a:spcPct val="120000"/>
+              </a:lnSpc>
+            </a:pPr>
+            <a:endParaRPr sz="1600">
+              <a:latin typeface="Arial" panose="020B0604020202020204" pitchFamily="34" charset="0"/>
+              <a:ea typeface="微软雅黑" panose="020B0503020204020204" pitchFamily="34" charset="-122"/>
+              <a:cs typeface="+mn-ea"/>
+              <a:sym typeface="Arial" panose="020B0604020202020204" pitchFamily="34" charset="0"/>
+            </a:endParaRPr>
+          </a:p>
+        </p:txBody>
+      </p:sp>
+      <p:sp>
+        <p:nvSpPr>
+          <p:cNvPr id="27" name="矩形 26"/>
+          <p:cNvSpPr/>
+          <p:nvPr/>
+        </p:nvSpPr>
+        <p:spPr>
+          <a:xfrm>
+            <a:off x="354" y="228285"/>
+            <a:ext cx="225016" cy="586648"/>
+          </a:xfrm>
+          <a:prstGeom prst="rect">
+            <a:avLst/>
+          </a:prstGeom>
+          <a:solidFill>
+            <a:schemeClr val="accent1"/>
+          </a:solidFill>
+          <a:ln>
+            <a:noFill/>
+          </a:ln>
+        </p:spPr>
+        <p:style>
+          <a:lnRef idx="2">
+            <a:schemeClr val="accent1">
+              <a:shade val="50000"/>
+            </a:schemeClr>
+          </a:lnRef>
+          <a:fillRef idx="1">
+            <a:schemeClr val="accent1"/>
+          </a:fillRef>
+          <a:effectRef idx="0">
+            <a:schemeClr val="accent1"/>
+          </a:effectRef>
+          <a:fontRef idx="minor">
+            <a:schemeClr val="lt1"/>
+          </a:fontRef>
+        </p:style>
+        <p:txBody>
+          <a:bodyPr lIns="96434" tIns="48217" rIns="96434" bIns="48217" rtlCol="0" anchor="ctr"/>
+          <a:lstStyle/>
+          <a:p>
+            <a:pPr algn="ctr" defTabSz="964278"/>
+            <a:endParaRPr lang="zh-CN" altLang="en-US" sz="1969">
+              <a:solidFill>
+                <a:srgbClr val="E7E6E6">
+                  <a:lumMod val="50000"/>
+                </a:srgbClr>
+              </a:solidFill>
+              <a:ea typeface="微软雅黑" panose="020B0503020204020204" pitchFamily="34" charset="-122"/>
+              <a:cs typeface="+mn-ea"/>
+              <a:sym typeface="+mn-lt"/>
+            </a:endParaRPr>
+          </a:p>
+        </p:txBody>
+      </p:sp>
+      <p:sp>
+        <p:nvSpPr>
+          <p:cNvPr id="28" name="文本框 27"/>
+          <p:cNvSpPr txBox="1"/>
+          <p:nvPr/>
+        </p:nvSpPr>
+        <p:spPr>
+          <a:xfrm>
+            <a:off x="392023" y="266575"/>
+            <a:ext cx="1846659" cy="369332"/>
+          </a:xfrm>
+          <a:prstGeom prst="rect">
+            <a:avLst/>
+          </a:prstGeom>
+          <a:noFill/>
+        </p:spPr>
+        <p:txBody>
+          <a:bodyPr wrap="none" lIns="0" tIns="0" rIns="0" bIns="0" rtlCol="0">
+            <a:spAutoFit/>
+          </a:bodyPr>
+          <a:lstStyle/>
+          <a:p>
+            <a:pPr defTabSz="964278"/>
+            <a:r>
+              <a:rPr lang="zh-CN" altLang="en-US" sz="2400" dirty="0" smtClean="0">
+                <a:solidFill>
+                  <a:schemeClr val="bg1">
+                    <a:lumMod val="65000"/>
+                  </a:schemeClr>
+                </a:solidFill>
+                <a:latin typeface="微软雅黑" panose="020B0503020204020204" pitchFamily="34" charset="-122"/>
+                <a:ea typeface="微软雅黑" panose="020B0503020204020204" pitchFamily="34" charset="-122"/>
+                <a:cs typeface="+mn-ea"/>
+                <a:sym typeface="+mn-lt"/>
+              </a:rPr>
+              <a:t>软件开发环境</a:t>
+            </a:r>
+            <a:endParaRPr lang="zh-CN" altLang="en-US" sz="2400" dirty="0">
+              <a:solidFill>
+                <a:schemeClr val="bg1">
+                  <a:lumMod val="65000"/>
+                </a:schemeClr>
+              </a:solidFill>
+              <a:latin typeface="微软雅黑" panose="020B0503020204020204" pitchFamily="34" charset="-122"/>
+              <a:ea typeface="微软雅黑" panose="020B0503020204020204" pitchFamily="34" charset="-122"/>
+              <a:cs typeface="+mn-ea"/>
+              <a:sym typeface="+mn-lt"/>
+            </a:endParaRPr>
+          </a:p>
+        </p:txBody>
+      </p:sp>
+    </p:spTree>
+    <p:extLst>
+      <p:ext uri="{BB962C8B-B14F-4D97-AF65-F5344CB8AC3E}">
+        <p14:creationId xmlns:p14="http://schemas.microsoft.com/office/powerpoint/2010/main" val="1417184831"/>
+      </p:ext>
+    </p:extLst>
+  </p:cSld>
+  <p:clrMapOvr>
+    <a:masterClrMapping/>
+  </p:clrMapOvr>
+  <mc:AlternateContent xmlns:mc="http://schemas.openxmlformats.org/markup-compatibility/2006" xmlns:p14="http://schemas.microsoft.com/office/powerpoint/2010/main">
+    <mc:Choice Requires="p14">
+      <p:transition spd="slow" p14:dur="1200" advTm="0">
+        <p14:prism/>
+      </p:transition>
+    </mc:Choice>
+    <mc:Fallback xmlns="">
+      <p:transition spd="slow" advTm="0">
+        <p:fade/>
+      </p:transition>
+    </mc:Fallback>
+  </mc:AlternateContent>
+  <p:timing>
+    <p:tnLst>
+      <p:par>
+        <p:cTn id="1" dur="indefinite" restart="never" nodeType="tmRoot">
+          <p:childTnLst>
+            <p:seq concurrent="1" nextAc="seek">
+              <p:cTn id="2" dur="indefinite" nodeType="mainSeq">
+                <p:childTnLst>
+                  <p:par>
+                    <p:cTn id="3" fill="hold">
+                      <p:stCondLst>
+                        <p:cond delay="indefinite"/>
+                        <p:cond evt="onBegin" delay="0">
+                          <p:tn val="2"/>
+                        </p:cond>
+                      </p:stCondLst>
+                      <p:childTnLst>
+                        <p:par>
+                          <p:cTn id="4" fill="hold">
+                            <p:stCondLst>
+                              <p:cond delay="0"/>
+                            </p:stCondLst>
+                            <p:childTnLst>
+                              <p:par>
+                                <p:cTn id="5" presetID="10" presetClass="entr" presetSubtype="0" fill="hold" grpId="0" nodeType="afterEffect">
+                                  <p:stCondLst>
+                                    <p:cond delay="0"/>
+                                  </p:stCondLst>
+                                  <p:childTnLst>
+                                    <p:set>
+                                      <p:cBhvr>
+                                        <p:cTn id="6" dur="1" fill="hold">
+                                          <p:stCondLst>
+                                            <p:cond delay="0"/>
+                                          </p:stCondLst>
+                                        </p:cTn>
+                                        <p:tgtEl>
+                                          <p:spTgt spid="26"/>
+                                        </p:tgtEl>
+                                        <p:attrNameLst>
+                                          <p:attrName>style.visibility</p:attrName>
+                                        </p:attrNameLst>
+                                      </p:cBhvr>
+                                      <p:to>
+                                        <p:strVal val="visible"/>
+                                      </p:to>
+                                    </p:set>
+                                    <p:animEffect transition="in" filter="fade">
+                                      <p:cBhvr>
+                                        <p:cTn id="7" dur="500"/>
+                                        <p:tgtEl>
+                                          <p:spTgt spid="26"/>
+                                        </p:tgtEl>
+                                      </p:cBhvr>
+                                    </p:animEffect>
+                                  </p:childTnLst>
+                                </p:cTn>
+                              </p:par>
+                            </p:childTnLst>
+                          </p:cTn>
+                        </p:par>
+                        <p:par>
+                          <p:cTn id="8" fill="hold">
+                            <p:stCondLst>
+                              <p:cond delay="500"/>
+                            </p:stCondLst>
+                            <p:childTnLst>
+                              <p:par>
+                                <p:cTn id="9" presetID="53" presetClass="entr" presetSubtype="16" fill="hold" grpId="0" nodeType="afterEffect">
+                                  <p:stCondLst>
+                                    <p:cond delay="0"/>
+                                  </p:stCondLst>
+                                  <p:childTnLst>
+                                    <p:set>
+                                      <p:cBhvr>
+                                        <p:cTn id="10" dur="1" fill="hold">
+                                          <p:stCondLst>
+                                            <p:cond delay="0"/>
+                                          </p:stCondLst>
+                                        </p:cTn>
+                                        <p:tgtEl>
+                                          <p:spTgt spid="5"/>
+                                        </p:tgtEl>
+                                        <p:attrNameLst>
+                                          <p:attrName>style.visibility</p:attrName>
+                                        </p:attrNameLst>
+                                      </p:cBhvr>
+                                      <p:to>
+                                        <p:strVal val="visible"/>
+                                      </p:to>
+                                    </p:set>
+                                    <p:anim calcmode="lin" valueType="num">
+                                      <p:cBhvr>
+                                        <p:cTn id="11" dur="500" fill="hold"/>
+                                        <p:tgtEl>
+                                          <p:spTgt spid="5"/>
+                                        </p:tgtEl>
+                                        <p:attrNameLst>
+                                          <p:attrName>ppt_w</p:attrName>
+                                        </p:attrNameLst>
+                                      </p:cBhvr>
+                                      <p:tavLst>
+                                        <p:tav tm="0">
+                                          <p:val>
+                                            <p:fltVal val="0"/>
+                                          </p:val>
+                                        </p:tav>
+                                        <p:tav tm="100000">
+                                          <p:val>
+                                            <p:strVal val="#ppt_w"/>
+                                          </p:val>
+                                        </p:tav>
+                                      </p:tavLst>
+                                    </p:anim>
+                                    <p:anim calcmode="lin" valueType="num">
+                                      <p:cBhvr>
+                                        <p:cTn id="12" dur="500" fill="hold"/>
+                                        <p:tgtEl>
+                                          <p:spTgt spid="5"/>
+                                        </p:tgtEl>
+                                        <p:attrNameLst>
+                                          <p:attrName>ppt_h</p:attrName>
+                                        </p:attrNameLst>
+                                      </p:cBhvr>
+                                      <p:tavLst>
+                                        <p:tav tm="0">
+                                          <p:val>
+                                            <p:fltVal val="0"/>
+                                          </p:val>
+                                        </p:tav>
+                                        <p:tav tm="100000">
+                                          <p:val>
+                                            <p:strVal val="#ppt_h"/>
+                                          </p:val>
+                                        </p:tav>
+                                      </p:tavLst>
+                                    </p:anim>
+                                    <p:animEffect transition="in" filter="fade">
+                                      <p:cBhvr>
+                                        <p:cTn id="13" dur="500"/>
+                                        <p:tgtEl>
+                                          <p:spTgt spid="5"/>
+                                        </p:tgtEl>
+                                      </p:cBhvr>
+                                    </p:animEffect>
+                                  </p:childTnLst>
+                                </p:cTn>
+                              </p:par>
+                            </p:childTnLst>
+                          </p:cTn>
+                        </p:par>
+                        <p:par>
+                          <p:cTn id="14" fill="hold">
+                            <p:stCondLst>
+                              <p:cond delay="1000"/>
+                            </p:stCondLst>
+                            <p:childTnLst>
+                              <p:par>
+                                <p:cTn id="15" presetID="53" presetClass="entr" presetSubtype="16" fill="hold" nodeType="afterEffect">
+                                  <p:stCondLst>
+                                    <p:cond delay="0"/>
+                                  </p:stCondLst>
+                                  <p:childTnLst>
+                                    <p:set>
+                                      <p:cBhvr>
+                                        <p:cTn id="16" dur="1" fill="hold">
+                                          <p:stCondLst>
+                                            <p:cond delay="0"/>
+                                          </p:stCondLst>
+                                        </p:cTn>
+                                        <p:tgtEl>
+                                          <p:spTgt spid="15"/>
+                                        </p:tgtEl>
+                                        <p:attrNameLst>
+                                          <p:attrName>style.visibility</p:attrName>
+                                        </p:attrNameLst>
+                                      </p:cBhvr>
+                                      <p:to>
+                                        <p:strVal val="visible"/>
+                                      </p:to>
+                                    </p:set>
+                                    <p:anim calcmode="lin" valueType="num">
+                                      <p:cBhvr>
+                                        <p:cTn id="17" dur="500" fill="hold"/>
+                                        <p:tgtEl>
+                                          <p:spTgt spid="15"/>
+                                        </p:tgtEl>
+                                        <p:attrNameLst>
+                                          <p:attrName>ppt_w</p:attrName>
+                                        </p:attrNameLst>
+                                      </p:cBhvr>
+                                      <p:tavLst>
+                                        <p:tav tm="0">
+                                          <p:val>
+                                            <p:fltVal val="0"/>
+                                          </p:val>
+                                        </p:tav>
+                                        <p:tav tm="100000">
+                                          <p:val>
+                                            <p:strVal val="#ppt_w"/>
+                                          </p:val>
+                                        </p:tav>
+                                      </p:tavLst>
+                                    </p:anim>
+                                    <p:anim calcmode="lin" valueType="num">
+                                      <p:cBhvr>
+                                        <p:cTn id="18" dur="500" fill="hold"/>
+                                        <p:tgtEl>
+                                          <p:spTgt spid="15"/>
+                                        </p:tgtEl>
+                                        <p:attrNameLst>
+                                          <p:attrName>ppt_h</p:attrName>
+                                        </p:attrNameLst>
+                                      </p:cBhvr>
+                                      <p:tavLst>
+                                        <p:tav tm="0">
+                                          <p:val>
+                                            <p:fltVal val="0"/>
+                                          </p:val>
+                                        </p:tav>
+                                        <p:tav tm="100000">
+                                          <p:val>
+                                            <p:strVal val="#ppt_h"/>
+                                          </p:val>
+                                        </p:tav>
+                                      </p:tavLst>
+                                    </p:anim>
+                                    <p:animEffect transition="in" filter="fade">
+                                      <p:cBhvr>
+                                        <p:cTn id="19" dur="500"/>
+                                        <p:tgtEl>
+                                          <p:spTgt spid="15"/>
+                                        </p:tgtEl>
+                                      </p:cBhvr>
+                                    </p:animEffect>
+                                  </p:childTnLst>
+                                </p:cTn>
+                              </p:par>
+                              <p:par>
+                                <p:cTn id="20" presetID="10" presetClass="entr" presetSubtype="0" fill="hold" grpId="0" nodeType="withEffect">
+                                  <p:stCondLst>
+                                    <p:cond delay="0"/>
+                                  </p:stCondLst>
+                                  <p:childTnLst>
+                                    <p:set>
+                                      <p:cBhvr>
+                                        <p:cTn id="21" dur="1" fill="hold">
+                                          <p:stCondLst>
+                                            <p:cond delay="0"/>
+                                          </p:stCondLst>
+                                        </p:cTn>
+                                        <p:tgtEl>
+                                          <p:spTgt spid="7"/>
+                                        </p:tgtEl>
+                                        <p:attrNameLst>
+                                          <p:attrName>style.visibility</p:attrName>
+                                        </p:attrNameLst>
+                                      </p:cBhvr>
+                                      <p:to>
+                                        <p:strVal val="visible"/>
+                                      </p:to>
+                                    </p:set>
+                                    <p:animEffect transition="in" filter="fade">
+                                      <p:cBhvr>
+                                        <p:cTn id="22" dur="500"/>
+                                        <p:tgtEl>
+                                          <p:spTgt spid="7"/>
+                                        </p:tgtEl>
+                                      </p:cBhvr>
+                                    </p:animEffect>
+                                  </p:childTnLst>
+                                </p:cTn>
+                              </p:par>
+                            </p:childTnLst>
+                          </p:cTn>
+                        </p:par>
+                        <p:par>
+                          <p:cTn id="23" fill="hold">
+                            <p:stCondLst>
+                              <p:cond delay="1500"/>
+                            </p:stCondLst>
+                            <p:childTnLst>
+                              <p:par>
+                                <p:cTn id="24" presetID="53" presetClass="entr" presetSubtype="16" fill="hold" grpId="0" nodeType="afterEffect">
+                                  <p:stCondLst>
+                                    <p:cond delay="0"/>
+                                  </p:stCondLst>
+                                  <p:childTnLst>
+                                    <p:set>
+                                      <p:cBhvr>
+                                        <p:cTn id="25" dur="1" fill="hold">
+                                          <p:stCondLst>
+                                            <p:cond delay="0"/>
+                                          </p:stCondLst>
+                                        </p:cTn>
+                                        <p:tgtEl>
+                                          <p:spTgt spid="2"/>
+                                        </p:tgtEl>
+                                        <p:attrNameLst>
+                                          <p:attrName>style.visibility</p:attrName>
+                                        </p:attrNameLst>
+                                      </p:cBhvr>
+                                      <p:to>
+                                        <p:strVal val="visible"/>
+                                      </p:to>
+                                    </p:set>
+                                    <p:anim calcmode="lin" valueType="num">
+                                      <p:cBhvr>
+                                        <p:cTn id="26" dur="500" fill="hold"/>
+                                        <p:tgtEl>
+                                          <p:spTgt spid="2"/>
+                                        </p:tgtEl>
+                                        <p:attrNameLst>
+                                          <p:attrName>ppt_w</p:attrName>
+                                        </p:attrNameLst>
+                                      </p:cBhvr>
+                                      <p:tavLst>
+                                        <p:tav tm="0">
+                                          <p:val>
+                                            <p:fltVal val="0"/>
+                                          </p:val>
+                                        </p:tav>
+                                        <p:tav tm="100000">
+                                          <p:val>
+                                            <p:strVal val="#ppt_w"/>
+                                          </p:val>
+                                        </p:tav>
+                                      </p:tavLst>
+                                    </p:anim>
+                                    <p:anim calcmode="lin" valueType="num">
+                                      <p:cBhvr>
+                                        <p:cTn id="27" dur="500" fill="hold"/>
+                                        <p:tgtEl>
+                                          <p:spTgt spid="2"/>
+                                        </p:tgtEl>
+                                        <p:attrNameLst>
+                                          <p:attrName>ppt_h</p:attrName>
+                                        </p:attrNameLst>
+                                      </p:cBhvr>
+                                      <p:tavLst>
+                                        <p:tav tm="0">
+                                          <p:val>
+                                            <p:fltVal val="0"/>
+                                          </p:val>
+                                        </p:tav>
+                                        <p:tav tm="100000">
+                                          <p:val>
+                                            <p:strVal val="#ppt_h"/>
+                                          </p:val>
+                                        </p:tav>
+                                      </p:tavLst>
+                                    </p:anim>
+                                    <p:animEffect transition="in" filter="fade">
+                                      <p:cBhvr>
+                                        <p:cTn id="28" dur="500"/>
+                                        <p:tgtEl>
+                                          <p:spTgt spid="2"/>
+                                        </p:tgtEl>
+                                      </p:cBhvr>
+                                    </p:animEffect>
+                                  </p:childTnLst>
+                                </p:cTn>
+                              </p:par>
+                            </p:childTnLst>
+                          </p:cTn>
+                        </p:par>
+                        <p:par>
+                          <p:cTn id="29" fill="hold">
+                            <p:stCondLst>
+                              <p:cond delay="2000"/>
+                            </p:stCondLst>
+                            <p:childTnLst>
+                              <p:par>
+                                <p:cTn id="30" presetID="53" presetClass="entr" presetSubtype="16" fill="hold" nodeType="afterEffect">
+                                  <p:stCondLst>
+                                    <p:cond delay="0"/>
+                                  </p:stCondLst>
+                                  <p:childTnLst>
+                                    <p:set>
+                                      <p:cBhvr>
+                                        <p:cTn id="31" dur="1" fill="hold">
+                                          <p:stCondLst>
+                                            <p:cond delay="0"/>
+                                          </p:stCondLst>
+                                        </p:cTn>
+                                        <p:tgtEl>
+                                          <p:spTgt spid="22"/>
+                                        </p:tgtEl>
+                                        <p:attrNameLst>
+                                          <p:attrName>style.visibility</p:attrName>
+                                        </p:attrNameLst>
+                                      </p:cBhvr>
+                                      <p:to>
+                                        <p:strVal val="visible"/>
+                                      </p:to>
+                                    </p:set>
+                                    <p:anim calcmode="lin" valueType="num">
+                                      <p:cBhvr>
+                                        <p:cTn id="32" dur="500" fill="hold"/>
+                                        <p:tgtEl>
+                                          <p:spTgt spid="22"/>
+                                        </p:tgtEl>
+                                        <p:attrNameLst>
+                                          <p:attrName>ppt_w</p:attrName>
+                                        </p:attrNameLst>
+                                      </p:cBhvr>
+                                      <p:tavLst>
+                                        <p:tav tm="0">
+                                          <p:val>
+                                            <p:fltVal val="0"/>
+                                          </p:val>
+                                        </p:tav>
+                                        <p:tav tm="100000">
+                                          <p:val>
+                                            <p:strVal val="#ppt_w"/>
+                                          </p:val>
+                                        </p:tav>
+                                      </p:tavLst>
+                                    </p:anim>
+                                    <p:anim calcmode="lin" valueType="num">
+                                      <p:cBhvr>
+                                        <p:cTn id="33" dur="500" fill="hold"/>
+                                        <p:tgtEl>
+                                          <p:spTgt spid="22"/>
+                                        </p:tgtEl>
+                                        <p:attrNameLst>
+                                          <p:attrName>ppt_h</p:attrName>
+                                        </p:attrNameLst>
+                                      </p:cBhvr>
+                                      <p:tavLst>
+                                        <p:tav tm="0">
+                                          <p:val>
+                                            <p:fltVal val="0"/>
+                                          </p:val>
+                                        </p:tav>
+                                        <p:tav tm="100000">
+                                          <p:val>
+                                            <p:strVal val="#ppt_h"/>
+                                          </p:val>
+                                        </p:tav>
+                                      </p:tavLst>
+                                    </p:anim>
+                                    <p:animEffect transition="in" filter="fade">
+                                      <p:cBhvr>
+                                        <p:cTn id="34" dur="500"/>
+                                        <p:tgtEl>
+                                          <p:spTgt spid="22"/>
+                                        </p:tgtEl>
+                                      </p:cBhvr>
+                                    </p:animEffect>
+                                  </p:childTnLst>
+                                </p:cTn>
+                              </p:par>
+                              <p:par>
+                                <p:cTn id="35" presetID="10" presetClass="entr" presetSubtype="0" fill="hold" grpId="0" nodeType="withEffect">
+                                  <p:stCondLst>
+                                    <p:cond delay="0"/>
+                                  </p:stCondLst>
+                                  <p:childTnLst>
+                                    <p:set>
+                                      <p:cBhvr>
+                                        <p:cTn id="36" dur="1" fill="hold">
+                                          <p:stCondLst>
+                                            <p:cond delay="0"/>
+                                          </p:stCondLst>
+                                        </p:cTn>
+                                        <p:tgtEl>
+                                          <p:spTgt spid="11"/>
+                                        </p:tgtEl>
+                                        <p:attrNameLst>
+                                          <p:attrName>style.visibility</p:attrName>
+                                        </p:attrNameLst>
+                                      </p:cBhvr>
+                                      <p:to>
+                                        <p:strVal val="visible"/>
+                                      </p:to>
+                                    </p:set>
+                                    <p:animEffect transition="in" filter="fade">
+                                      <p:cBhvr>
+                                        <p:cTn id="37" dur="500"/>
+                                        <p:tgtEl>
+                                          <p:spTgt spid="11"/>
+                                        </p:tgtEl>
+                                      </p:cBhvr>
+                                    </p:animEffect>
+                                  </p:childTnLst>
+                                </p:cTn>
+                              </p:par>
+                            </p:childTnLst>
+                          </p:cTn>
+                        </p:par>
+                        <p:par>
+                          <p:cTn id="38" fill="hold">
+                            <p:stCondLst>
+                              <p:cond delay="2500"/>
+                            </p:stCondLst>
+                            <p:childTnLst>
+                              <p:par>
+                                <p:cTn id="39" presetID="10" presetClass="entr" presetSubtype="0" fill="hold" grpId="0" nodeType="afterEffect">
+                                  <p:stCondLst>
+                                    <p:cond delay="0"/>
+                                  </p:stCondLst>
+                                  <p:childTnLst>
+                                    <p:set>
+                                      <p:cBhvr>
+                                        <p:cTn id="40" dur="1" fill="hold">
+                                          <p:stCondLst>
+                                            <p:cond delay="0"/>
+                                          </p:stCondLst>
+                                        </p:cTn>
+                                        <p:tgtEl>
+                                          <p:spTgt spid="30"/>
+                                        </p:tgtEl>
+                                        <p:attrNameLst>
+                                          <p:attrName>style.visibility</p:attrName>
+                                        </p:attrNameLst>
+                                      </p:cBhvr>
+                                      <p:to>
+                                        <p:strVal val="visible"/>
+                                      </p:to>
+                                    </p:set>
+                                    <p:animEffect transition="in" filter="fade">
+                                      <p:cBhvr>
+                                        <p:cTn id="41" dur="500"/>
+                                        <p:tgtEl>
+                                          <p:spTgt spid="30"/>
+                                        </p:tgtEl>
+                                      </p:cBhvr>
+                                    </p:animEffect>
+                                  </p:childTnLst>
+                                </p:cTn>
+                              </p:par>
+                            </p:childTnLst>
+                          </p:cTn>
+                        </p:par>
+                      </p:childTnLst>
+                    </p:cTn>
+                  </p:par>
+                </p:childTnLst>
+              </p:cTn>
+              <p:prevCondLst>
+                <p:cond evt="onPrev" delay="0">
+                  <p:tgtEl>
+                    <p:sldTgt/>
+                  </p:tgtEl>
+                </p:cond>
+              </p:prevCondLst>
+              <p:nextCondLst>
+                <p:cond evt="onNext" delay="0">
+                  <p:tgtEl>
+                    <p:sldTgt/>
+                  </p:tgtEl>
+                </p:cond>
+              </p:nextCondLst>
+            </p:seq>
+          </p:childTnLst>
+        </p:cTn>
+      </p:par>
+    </p:tnLst>
+    <p:bldLst>
+      <p:bldP spid="2" grpId="0" animBg="1"/>
+      <p:bldP spid="5" grpId="0" animBg="1"/>
+      <p:bldP spid="7" grpId="0" animBg="1"/>
+      <p:bldP spid="11" grpId="0" animBg="1"/>
+      <p:bldP spid="26" grpId="0"/>
+      <p:bldP spid="30" grpId="0" animBg="1"/>
+    </p:bldLst>
+  </p:timing>
+</p:sld>
+</file>
+
+<file path=ppt/slides/slide8.xml><?xml version="1.0" encoding="utf-8"?>
 <p:sld xmlns:a="http://schemas.openxmlformats.org/drawingml/2006/main" xmlns:r="http://schemas.openxmlformats.org/officeDocument/2006/relationships" xmlns:p="http://schemas.openxmlformats.org/presentationml/2006/main">
   <p:cSld>
     <p:spTree>
@@ -15695,7 +18086,7 @@
         <p:spPr>
           <a:xfrm>
             <a:off x="392023" y="266575"/>
-            <a:ext cx="1846659" cy="369332"/>
+            <a:ext cx="1231106" cy="369332"/>
           </a:xfrm>
           <a:prstGeom prst="rect">
             <a:avLst/>
@@ -15721,7 +18112,7 @@
                 <a:cs typeface="+mn-ea"/>
                 <a:sym typeface="+mn-lt"/>
               </a:rPr>
-              <a:t>非功能性需求</a:t>
+              <a:t>模块划分</a:t>
             </a:r>
             <a:endParaRPr lang="zh-CN" altLang="en-US" sz="2400" dirty="0">
               <a:solidFill>
@@ -16623,7 +19014,7 @@
 </p:sld>
 </file>
 
-<file path=ppt/slides/slide8.xml><?xml version="1.0" encoding="utf-8"?>
+<file path=ppt/slides/slide9.xml><?xml version="1.0" encoding="utf-8"?>
 <p:sld xmlns:a="http://schemas.openxmlformats.org/drawingml/2006/main" xmlns:r="http://schemas.openxmlformats.org/officeDocument/2006/relationships" xmlns:p="http://schemas.openxmlformats.org/presentationml/2006/main">
   <p:cSld>
     <p:spTree>
@@ -16768,13 +19159,6 @@
               </a:rPr>
               <a:t>家庭物品管理系统</a:t>
             </a:r>
-            <a:endParaRPr lang="zh-CN" altLang="en-US" sz="2000" b="1" cap="all" dirty="0">
-              <a:solidFill>
-                <a:schemeClr val="accent1"/>
-              </a:solidFill>
-              <a:latin typeface="Agency FB" panose="020B0503020202020204" pitchFamily="34" charset="0"/>
-              <a:cs typeface="Arial" panose="020B0604020202020204" pitchFamily="34" charset="0"/>
-            </a:endParaRPr>
           </a:p>
         </p:txBody>
       </p:sp>
@@ -17685,220 +20069,6 @@
       <p:bldP spid="8" grpId="0" animBg="1"/>
       <p:bldP spid="9" grpId="0" animBg="1"/>
     </p:bldLst>
-  </p:timing>
-</p:sld>
-</file>
-
-<file path=ppt/slides/slide9.xml><?xml version="1.0" encoding="utf-8"?>
-<p:sld xmlns:a="http://schemas.openxmlformats.org/drawingml/2006/main" xmlns:r="http://schemas.openxmlformats.org/officeDocument/2006/relationships" xmlns:p="http://schemas.openxmlformats.org/presentationml/2006/main">
-  <p:cSld>
-    <p:spTree>
-      <p:nvGrpSpPr>
-        <p:cNvPr id="1" name=""/>
-        <p:cNvGrpSpPr/>
-        <p:nvPr/>
-      </p:nvGrpSpPr>
-      <p:grpSpPr>
-        <a:xfrm>
-          <a:off x="0" y="0"/>
-          <a:ext cx="0" cy="0"/>
-          <a:chOff x="0" y="0"/>
-          <a:chExt cx="0" cy="0"/>
-        </a:xfrm>
-      </p:grpSpPr>
-      <p:sp>
-        <p:nvSpPr>
-          <p:cNvPr id="25" name="矩形 24"/>
-          <p:cNvSpPr/>
-          <p:nvPr/>
-        </p:nvSpPr>
-        <p:spPr>
-          <a:xfrm>
-            <a:off x="354" y="228285"/>
-            <a:ext cx="225016" cy="586648"/>
-          </a:xfrm>
-          <a:prstGeom prst="rect">
-            <a:avLst/>
-          </a:prstGeom>
-          <a:solidFill>
-            <a:schemeClr val="accent1"/>
-          </a:solidFill>
-          <a:ln>
-            <a:noFill/>
-          </a:ln>
-        </p:spPr>
-        <p:style>
-          <a:lnRef idx="2">
-            <a:schemeClr val="accent1">
-              <a:shade val="50000"/>
-            </a:schemeClr>
-          </a:lnRef>
-          <a:fillRef idx="1">
-            <a:schemeClr val="accent1"/>
-          </a:fillRef>
-          <a:effectRef idx="0">
-            <a:schemeClr val="accent1"/>
-          </a:effectRef>
-          <a:fontRef idx="minor">
-            <a:schemeClr val="lt1"/>
-          </a:fontRef>
-        </p:style>
-        <p:txBody>
-          <a:bodyPr lIns="96434" tIns="48217" rIns="96434" bIns="48217" rtlCol="0" anchor="ctr"/>
-          <a:lstStyle/>
-          <a:p>
-            <a:pPr algn="ctr" defTabSz="964278"/>
-            <a:endParaRPr lang="zh-CN" altLang="en-US" sz="1969">
-              <a:solidFill>
-                <a:srgbClr val="E7E6E6">
-                  <a:lumMod val="50000"/>
-                </a:srgbClr>
-              </a:solidFill>
-              <a:ea typeface="微软雅黑" panose="020B0503020204020204" pitchFamily="34" charset="-122"/>
-              <a:cs typeface="+mn-ea"/>
-              <a:sym typeface="+mn-lt"/>
-            </a:endParaRPr>
-          </a:p>
-        </p:txBody>
-      </p:sp>
-      <p:sp>
-        <p:nvSpPr>
-          <p:cNvPr id="26" name="文本框 25"/>
-          <p:cNvSpPr txBox="1"/>
-          <p:nvPr/>
-        </p:nvSpPr>
-        <p:spPr>
-          <a:xfrm>
-            <a:off x="380703" y="336943"/>
-            <a:ext cx="923330" cy="369332"/>
-          </a:xfrm>
-          <a:prstGeom prst="rect">
-            <a:avLst/>
-          </a:prstGeom>
-          <a:noFill/>
-        </p:spPr>
-        <p:txBody>
-          <a:bodyPr wrap="none" lIns="0" tIns="0" rIns="0" bIns="0" rtlCol="0">
-            <a:spAutoFit/>
-          </a:bodyPr>
-          <a:lstStyle/>
-          <a:p>
-            <a:pPr defTabSz="964278"/>
-            <a:r>
-              <a:rPr lang="zh-CN" altLang="en-US" sz="2400" dirty="0" smtClean="0">
-                <a:solidFill>
-                  <a:schemeClr val="bg1">
-                    <a:lumMod val="65000"/>
-                  </a:schemeClr>
-                </a:solidFill>
-                <a:latin typeface="微软雅黑" panose="020B0503020204020204" pitchFamily="34" charset="-122"/>
-                <a:ea typeface="微软雅黑" panose="020B0503020204020204" pitchFamily="34" charset="-122"/>
-                <a:cs typeface="+mn-ea"/>
-                <a:sym typeface="+mn-lt"/>
-              </a:rPr>
-              <a:t>甘特图</a:t>
-            </a:r>
-            <a:endParaRPr lang="zh-CN" altLang="en-US" sz="2400" dirty="0">
-              <a:solidFill>
-                <a:schemeClr val="bg1">
-                  <a:lumMod val="65000"/>
-                </a:schemeClr>
-              </a:solidFill>
-              <a:latin typeface="微软雅黑" panose="020B0503020204020204" pitchFamily="34" charset="-122"/>
-              <a:ea typeface="微软雅黑" panose="020B0503020204020204" pitchFamily="34" charset="-122"/>
-              <a:cs typeface="+mn-ea"/>
-              <a:sym typeface="+mn-lt"/>
-            </a:endParaRPr>
-          </a:p>
-        </p:txBody>
-      </p:sp>
-      <p:graphicFrame>
-        <p:nvGraphicFramePr>
-          <p:cNvPr id="2" name="对象 1">
-            <a:hlinkClick r:id="rId4" action="ppaction://hlinkfile"/>
-          </p:cNvPr>
-          <p:cNvGraphicFramePr>
-            <a:graphicFrameLocks noChangeAspect="1"/>
-          </p:cNvGraphicFramePr>
-          <p:nvPr>
-            <p:extLst>
-              <p:ext uri="{D42A27DB-BD31-4B8C-83A1-F6EECF244321}">
-                <p14:modId xmlns:p14="http://schemas.microsoft.com/office/powerpoint/2010/main" val="3674000125"/>
-              </p:ext>
-            </p:extLst>
-          </p:nvPr>
-        </p:nvGraphicFramePr>
-        <p:xfrm>
-          <a:off x="2612951" y="2248173"/>
-          <a:ext cx="7569925" cy="2631405"/>
-        </p:xfrm>
-        <a:graphic>
-          <a:graphicData uri="http://schemas.openxmlformats.org/presentationml/2006/ole">
-            <mc:AlternateContent xmlns:mc="http://schemas.openxmlformats.org/markup-compatibility/2006">
-              <mc:Choice xmlns:v="urn:schemas-microsoft-com:vml" Requires="v">
-                <p:oleObj spid="_x0000_s2051" name="包装程序外壳对象" showAsIcon="1" r:id="rId5" imgW="1296360" imgH="451080" progId="Package">
-                  <p:embed/>
-                </p:oleObj>
-              </mc:Choice>
-              <mc:Fallback>
-                <p:oleObj name="包装程序外壳对象" showAsIcon="1" r:id="rId5" imgW="1296360" imgH="451080" progId="Package">
-                  <p:embed/>
-                  <p:pic>
-                    <p:nvPicPr>
-                      <p:cNvPr id="0" name=""/>
-                      <p:cNvPicPr/>
-                      <p:nvPr/>
-                    </p:nvPicPr>
-                    <p:blipFill>
-                      <a:blip r:embed="rId6"/>
-                      <a:stretch>
-                        <a:fillRect/>
-                      </a:stretch>
-                    </p:blipFill>
-                    <p:spPr>
-                      <a:xfrm>
-                        <a:off x="2612951" y="2248173"/>
-                        <a:ext cx="7569925" cy="2631405"/>
-                      </a:xfrm>
-                      <a:prstGeom prst="rect">
-                        <a:avLst/>
-                      </a:prstGeom>
-                    </p:spPr>
-                  </p:pic>
-                </p:oleObj>
-              </mc:Fallback>
-            </mc:AlternateContent>
-          </a:graphicData>
-        </a:graphic>
-      </p:graphicFrame>
-    </p:spTree>
-    <p:extLst>
-      <p:ext uri="{BB962C8B-B14F-4D97-AF65-F5344CB8AC3E}">
-        <p14:creationId xmlns:p14="http://schemas.microsoft.com/office/powerpoint/2010/main" val="3612981376"/>
-      </p:ext>
-    </p:extLst>
-  </p:cSld>
-  <p:clrMapOvr>
-    <a:masterClrMapping/>
-  </p:clrMapOvr>
-  <mc:AlternateContent xmlns:mc="http://schemas.openxmlformats.org/markup-compatibility/2006" xmlns:p14="http://schemas.microsoft.com/office/powerpoint/2010/main">
-    <mc:Choice Requires="p14">
-      <p:transition spd="slow" p14:dur="1200" advTm="4000">
-        <p14:prism/>
-      </p:transition>
-    </mc:Choice>
-    <mc:Fallback xmlns="">
-      <p:transition spd="slow" advTm="4000">
-        <p:fade/>
-      </p:transition>
-    </mc:Fallback>
-  </mc:AlternateContent>
-  <p:timing>
-    <p:tnLst>
-      <p:par>
-        <p:cTn id="1" dur="indefinite" restart="never" nodeType="tmRoot"/>
-      </p:par>
-    </p:tnLst>
   </p:timing>
 </p:sld>
 </file>
